--- a/Language Detector.pptx
+++ b/Language Detector.pptx
@@ -7,11 +7,11 @@
   <p:sldIdLst>
     <p:sldId id="256" r:id="rId2"/>
     <p:sldId id="257" r:id="rId3"/>
-    <p:sldId id="258" r:id="rId4"/>
-    <p:sldId id="261" r:id="rId5"/>
-    <p:sldId id="262" r:id="rId6"/>
-    <p:sldId id="264" r:id="rId7"/>
-    <p:sldId id="259" r:id="rId8"/>
+    <p:sldId id="259" r:id="rId4"/>
+    <p:sldId id="258" r:id="rId5"/>
+    <p:sldId id="261" r:id="rId6"/>
+    <p:sldId id="262" r:id="rId7"/>
+    <p:sldId id="264" r:id="rId8"/>
     <p:sldId id="260" r:id="rId9"/>
     <p:sldId id="265" r:id="rId10"/>
     <p:sldId id="263" r:id="rId11"/>
@@ -448,7 +448,7 @@
             <a:fld id="{B61BEF0D-F0BB-DE4B-95CE-6DB70DBA9567}" type="datetimeFigureOut">
               <a:rPr lang="en-US" dirty="0"/>
               <a:pPr/>
-              <a:t>4/20/2018</a:t>
+              <a:t>4/21/2018</a:t>
             </a:fld>
             <a:endParaRPr lang="en-US" dirty="0"/>
           </a:p>
@@ -769,7 +769,7 @@
             <a:fld id="{B61BEF0D-F0BB-DE4B-95CE-6DB70DBA9567}" type="datetimeFigureOut">
               <a:rPr lang="en-US" dirty="0"/>
               <a:pPr/>
-              <a:t>4/20/2018</a:t>
+              <a:t>4/21/2018</a:t>
             </a:fld>
             <a:endParaRPr lang="en-US" dirty="0"/>
           </a:p>
@@ -1014,7 +1014,7 @@
             <a:fld id="{B61BEF0D-F0BB-DE4B-95CE-6DB70DBA9567}" type="datetimeFigureOut">
               <a:rPr lang="en-US" dirty="0"/>
               <a:pPr/>
-              <a:t>4/20/2018</a:t>
+              <a:t>4/21/2018</a:t>
             </a:fld>
             <a:endParaRPr lang="en-US" dirty="0"/>
           </a:p>
@@ -1350,7 +1350,7 @@
             <a:fld id="{B61BEF0D-F0BB-DE4B-95CE-6DB70DBA9567}" type="datetimeFigureOut">
               <a:rPr lang="en-US" dirty="0"/>
               <a:pPr/>
-              <a:t>4/20/2018</a:t>
+              <a:t>4/21/2018</a:t>
             </a:fld>
             <a:endParaRPr lang="en-US" dirty="0"/>
           </a:p>
@@ -1694,7 +1694,7 @@
             <a:fld id="{B61BEF0D-F0BB-DE4B-95CE-6DB70DBA9567}" type="datetimeFigureOut">
               <a:rPr lang="en-US" dirty="0"/>
               <a:pPr/>
-              <a:t>4/20/2018</a:t>
+              <a:t>4/21/2018</a:t>
             </a:fld>
             <a:endParaRPr lang="en-US" dirty="0"/>
           </a:p>
@@ -2065,7 +2065,7 @@
             <a:fld id="{B61BEF0D-F0BB-DE4B-95CE-6DB70DBA9567}" type="datetimeFigureOut">
               <a:rPr lang="en-US" dirty="0"/>
               <a:pPr/>
-              <a:t>4/20/2018</a:t>
+              <a:t>4/21/2018</a:t>
             </a:fld>
             <a:endParaRPr lang="en-US" dirty="0"/>
           </a:p>
@@ -2532,7 +2532,7 @@
             <a:fld id="{B61BEF0D-F0BB-DE4B-95CE-6DB70DBA9567}" type="datetimeFigureOut">
               <a:rPr lang="en-US" dirty="0"/>
               <a:pPr/>
-              <a:t>4/20/2018</a:t>
+              <a:t>4/21/2018</a:t>
             </a:fld>
             <a:endParaRPr lang="en-US" dirty="0"/>
           </a:p>
@@ -2734,7 +2734,7 @@
             <a:fld id="{B61BEF0D-F0BB-DE4B-95CE-6DB70DBA9567}" type="datetimeFigureOut">
               <a:rPr lang="en-US" dirty="0"/>
               <a:pPr/>
-              <a:t>4/20/2018</a:t>
+              <a:t>4/21/2018</a:t>
             </a:fld>
             <a:endParaRPr lang="en-US" dirty="0"/>
           </a:p>
@@ -2942,7 +2942,7 @@
             <a:fld id="{B61BEF0D-F0BB-DE4B-95CE-6DB70DBA9567}" type="datetimeFigureOut">
               <a:rPr lang="en-US" dirty="0"/>
               <a:pPr/>
-              <a:t>4/20/2018</a:t>
+              <a:t>4/21/2018</a:t>
             </a:fld>
             <a:endParaRPr lang="en-US" dirty="0"/>
           </a:p>
@@ -3170,7 +3170,7 @@
           <a:p>
             <a:fld id="{52647F38-B617-4D2F-AE0A-013F0C4D2C57}" type="datetimeFigureOut">
               <a:rPr lang="en-US" dirty="0"/>
-              <a:t>4/20/2018</a:t>
+              <a:t>4/21/2018</a:t>
             </a:fld>
             <a:endParaRPr lang="en-US" dirty="0"/>
           </a:p>
@@ -3414,7 +3414,7 @@
             <a:fld id="{B61BEF0D-F0BB-DE4B-95CE-6DB70DBA9567}" type="datetimeFigureOut">
               <a:rPr lang="en-US" dirty="0"/>
               <a:pPr/>
-              <a:t>4/20/2018</a:t>
+              <a:t>4/21/2018</a:t>
             </a:fld>
             <a:endParaRPr lang="en-US" dirty="0"/>
           </a:p>
@@ -3708,7 +3708,7 @@
           <a:p>
             <a:fld id="{05BFA754-D5C3-4E66-96A6-867B257F58DC}" type="datetimeFigureOut">
               <a:rPr lang="en-US" dirty="0"/>
-              <a:t>4/20/2018</a:t>
+              <a:t>4/21/2018</a:t>
             </a:fld>
             <a:endParaRPr lang="en-US" dirty="0"/>
           </a:p>
@@ -4098,7 +4098,7 @@
             <a:fld id="{B61BEF0D-F0BB-DE4B-95CE-6DB70DBA9567}" type="datetimeFigureOut">
               <a:rPr lang="en-US" dirty="0"/>
               <a:pPr/>
-              <a:t>4/20/2018</a:t>
+              <a:t>4/21/2018</a:t>
             </a:fld>
             <a:endParaRPr lang="en-US" dirty="0"/>
           </a:p>
@@ -4244,7 +4244,7 @@
             <a:fld id="{B61BEF0D-F0BB-DE4B-95CE-6DB70DBA9567}" type="datetimeFigureOut">
               <a:rPr lang="en-US" dirty="0"/>
               <a:pPr/>
-              <a:t>4/20/2018</a:t>
+              <a:t>4/21/2018</a:t>
             </a:fld>
             <a:endParaRPr lang="en-US" dirty="0"/>
           </a:p>
@@ -4367,7 +4367,7 @@
             <a:fld id="{B61BEF0D-F0BB-DE4B-95CE-6DB70DBA9567}" type="datetimeFigureOut">
               <a:rPr lang="en-US" dirty="0"/>
               <a:pPr/>
-              <a:t>4/20/2018</a:t>
+              <a:t>4/21/2018</a:t>
             </a:fld>
             <a:endParaRPr lang="en-US" dirty="0"/>
           </a:p>
@@ -4619,7 +4619,7 @@
             <a:fld id="{B61BEF0D-F0BB-DE4B-95CE-6DB70DBA9567}" type="datetimeFigureOut">
               <a:rPr lang="en-US" dirty="0"/>
               <a:pPr/>
-              <a:t>4/20/2018</a:t>
+              <a:t>4/21/2018</a:t>
             </a:fld>
             <a:endParaRPr lang="en-US" dirty="0"/>
           </a:p>
@@ -4931,7 +4931,7 @@
             <a:fld id="{B61BEF0D-F0BB-DE4B-95CE-6DB70DBA9567}" type="datetimeFigureOut">
               <a:rPr lang="en-US" dirty="0"/>
               <a:pPr/>
-              <a:t>4/20/2018</a:t>
+              <a:t>4/21/2018</a:t>
             </a:fld>
             <a:endParaRPr lang="en-US" dirty="0"/>
           </a:p>
@@ -5279,7 +5279,7 @@
             <a:fld id="{B61BEF0D-F0BB-DE4B-95CE-6DB70DBA9567}" type="datetimeFigureOut">
               <a:rPr lang="en-US" dirty="0"/>
               <a:pPr/>
-              <a:t>4/20/2018</a:t>
+              <a:t>4/21/2018</a:t>
             </a:fld>
             <a:endParaRPr lang="en-US" dirty="0"/>
           </a:p>
@@ -5823,7 +5823,7 @@
           <p:cNvPr id="2" name="Title 1">
             <a:extLst>
               <a:ext uri="{FF2B5EF4-FFF2-40B4-BE49-F238E27FC236}">
-                <a16:creationId xmlns:a16="http://schemas.microsoft.com/office/drawing/2014/main" id="{49BEEAA0-B379-4E61-B2BB-9900C228C9B1}"/>
+                <a16:creationId xmlns="" xmlns:a16="http://schemas.microsoft.com/office/drawing/2014/main" id="{49BEEAA0-B379-4E61-B2BB-9900C228C9B1}"/>
               </a:ext>
             </a:extLst>
           </p:cNvPr>
@@ -5852,7 +5852,7 @@
           <p:cNvPr id="3" name="Subtitle 2">
             <a:extLst>
               <a:ext uri="{FF2B5EF4-FFF2-40B4-BE49-F238E27FC236}">
-                <a16:creationId xmlns:a16="http://schemas.microsoft.com/office/drawing/2014/main" id="{EF429EAF-5F75-44F6-9C69-5EF2C8972C55}"/>
+                <a16:creationId xmlns="" xmlns:a16="http://schemas.microsoft.com/office/drawing/2014/main" id="{EF429EAF-5F75-44F6-9C69-5EF2C8972C55}"/>
               </a:ext>
             </a:extLst>
           </p:cNvPr>
@@ -5933,7 +5933,7 @@
           <p:cNvPr id="2" name="Title 1">
             <a:extLst>
               <a:ext uri="{FF2B5EF4-FFF2-40B4-BE49-F238E27FC236}">
-                <a16:creationId xmlns:a16="http://schemas.microsoft.com/office/drawing/2014/main" id="{02A38D86-C234-4C50-8379-4A360F3A30D3}"/>
+                <a16:creationId xmlns="" xmlns:a16="http://schemas.microsoft.com/office/drawing/2014/main" id="{02A38D86-C234-4C50-8379-4A360F3A30D3}"/>
               </a:ext>
             </a:extLst>
           </p:cNvPr>
@@ -5962,7 +5962,7 @@
           <p:cNvPr id="5" name="Picture 4">
             <a:extLst>
               <a:ext uri="{FF2B5EF4-FFF2-40B4-BE49-F238E27FC236}">
-                <a16:creationId xmlns:a16="http://schemas.microsoft.com/office/drawing/2014/main" id="{A2FF03F1-9667-4FF8-9D74-F03F6363F12A}"/>
+                <a16:creationId xmlns="" xmlns:a16="http://schemas.microsoft.com/office/drawing/2014/main" id="{A2FF03F1-9667-4FF8-9D74-F03F6363F12A}"/>
               </a:ext>
             </a:extLst>
           </p:cNvPr>
@@ -5992,7 +5992,7 @@
           <p:cNvPr id="7" name="Picture 6">
             <a:extLst>
               <a:ext uri="{FF2B5EF4-FFF2-40B4-BE49-F238E27FC236}">
-                <a16:creationId xmlns:a16="http://schemas.microsoft.com/office/drawing/2014/main" id="{4A1E5210-1FC1-4228-9D37-0DB2AE2A5E55}"/>
+                <a16:creationId xmlns="" xmlns:a16="http://schemas.microsoft.com/office/drawing/2014/main" id="{4A1E5210-1FC1-4228-9D37-0DB2AE2A5E55}"/>
               </a:ext>
             </a:extLst>
           </p:cNvPr>
@@ -6022,7 +6022,7 @@
           <p:cNvPr id="8" name="Rectangle 7">
             <a:extLst>
               <a:ext uri="{FF2B5EF4-FFF2-40B4-BE49-F238E27FC236}">
-                <a16:creationId xmlns:a16="http://schemas.microsoft.com/office/drawing/2014/main" id="{DB996752-4428-4878-85A5-10390A150332}"/>
+                <a16:creationId xmlns="" xmlns:a16="http://schemas.microsoft.com/office/drawing/2014/main" id="{DB996752-4428-4878-85A5-10390A150332}"/>
               </a:ext>
             </a:extLst>
           </p:cNvPr>
@@ -6102,7 +6102,7 @@
           <p:cNvPr id="2" name="Title 1">
             <a:extLst>
               <a:ext uri="{FF2B5EF4-FFF2-40B4-BE49-F238E27FC236}">
-                <a16:creationId xmlns:a16="http://schemas.microsoft.com/office/drawing/2014/main" id="{ABA41A48-CD4F-4C22-91E3-900F109E457C}"/>
+                <a16:creationId xmlns="" xmlns:a16="http://schemas.microsoft.com/office/drawing/2014/main" id="{ABA41A48-CD4F-4C22-91E3-900F109E457C}"/>
               </a:ext>
             </a:extLst>
           </p:cNvPr>
@@ -6131,7 +6131,7 @@
           <p:cNvPr id="3" name="Content Placeholder 2">
             <a:extLst>
               <a:ext uri="{FF2B5EF4-FFF2-40B4-BE49-F238E27FC236}">
-                <a16:creationId xmlns:a16="http://schemas.microsoft.com/office/drawing/2014/main" id="{649027D3-B8AB-4CC7-A28D-1F8D052069F2}"/>
+                <a16:creationId xmlns="" xmlns:a16="http://schemas.microsoft.com/office/drawing/2014/main" id="{649027D3-B8AB-4CC7-A28D-1F8D052069F2}"/>
               </a:ext>
             </a:extLst>
           </p:cNvPr>
@@ -6222,7 +6222,7 @@
           <p:cNvPr id="2" name="Title 1">
             <a:extLst>
               <a:ext uri="{FF2B5EF4-FFF2-40B4-BE49-F238E27FC236}">
-                <a16:creationId xmlns:a16="http://schemas.microsoft.com/office/drawing/2014/main" id="{E4ED8AC8-DFC3-41B7-8374-184384454995}"/>
+                <a16:creationId xmlns="" xmlns:a16="http://schemas.microsoft.com/office/drawing/2014/main" id="{FA9DE8D5-D29B-4E9E-90B8-67DCEE484142}"/>
               </a:ext>
             </a:extLst>
           </p:cNvPr>
@@ -6240,75 +6240,83 @@
           <a:p>
             <a:r>
               <a:rPr lang="en-US" altLang="ko-KR" dirty="0"/>
-              <a:t>English</a:t>
+              <a:t>Train Data</a:t>
             </a:r>
             <a:endParaRPr lang="ko-KR" altLang="en-US" dirty="0"/>
           </a:p>
         </p:txBody>
       </p:sp>
-      <p:pic>
-        <p:nvPicPr>
-          <p:cNvPr id="7" name="Content Placeholder 6">
+      <p:sp>
+        <p:nvSpPr>
+          <p:cNvPr id="3" name="Content Placeholder 2">
             <a:extLst>
               <a:ext uri="{FF2B5EF4-FFF2-40B4-BE49-F238E27FC236}">
-                <a16:creationId xmlns:a16="http://schemas.microsoft.com/office/drawing/2014/main" id="{CA18BBD0-0788-4460-B128-640B028AC45E}"/>
+                <a16:creationId xmlns="" xmlns:a16="http://schemas.microsoft.com/office/drawing/2014/main" id="{790AF7D2-C01C-4206-A3AC-8493647A228A}"/>
               </a:ext>
             </a:extLst>
           </p:cNvPr>
-          <p:cNvPicPr>
-            <a:picLocks noGrp="1" noChangeAspect="1"/>
-          </p:cNvPicPr>
+          <p:cNvSpPr>
+            <a:spLocks noGrp="1"/>
+          </p:cNvSpPr>
           <p:nvPr>
             <p:ph idx="1"/>
           </p:nvPr>
-        </p:nvPicPr>
-        <p:blipFill>
-          <a:blip r:embed="rId2"/>
-          <a:stretch>
-            <a:fillRect/>
-          </a:stretch>
-        </p:blipFill>
-        <p:spPr>
-          <a:xfrm>
-            <a:off x="1252105" y="2557463"/>
-            <a:ext cx="4976812" cy="3317875"/>
-          </a:xfrm>
-        </p:spPr>
-      </p:pic>
-      <p:pic>
-        <p:nvPicPr>
-          <p:cNvPr id="9" name="Picture 8">
-            <a:extLst>
-              <a:ext uri="{FF2B5EF4-FFF2-40B4-BE49-F238E27FC236}">
-                <a16:creationId xmlns:a16="http://schemas.microsoft.com/office/drawing/2014/main" id="{9AAACF03-0A52-4C9A-90A9-50B7255E9470}"/>
-              </a:ext>
-            </a:extLst>
-          </p:cNvPr>
-          <p:cNvPicPr>
-            <a:picLocks noChangeAspect="1"/>
-          </p:cNvPicPr>
-          <p:nvPr/>
-        </p:nvPicPr>
-        <p:blipFill>
-          <a:blip r:embed="rId3"/>
-          <a:stretch>
-            <a:fillRect/>
-          </a:stretch>
-        </p:blipFill>
-        <p:spPr>
-          <a:xfrm>
-            <a:off x="6168527" y="2499553"/>
-            <a:ext cx="5487650" cy="3375785"/>
-          </a:xfrm>
-          <a:prstGeom prst="rect">
-            <a:avLst/>
-          </a:prstGeom>
-        </p:spPr>
-      </p:pic>
+        </p:nvSpPr>
+        <p:spPr/>
+        <p:txBody>
+          <a:bodyPr/>
+          <a:lstStyle/>
+          <a:p>
+            <a:r>
+              <a:rPr lang="en-US" altLang="ko-KR" dirty="0"/>
+              <a:t>Source of Train Data:</a:t>
+            </a:r>
+          </a:p>
+          <a:p>
+            <a:pPr lvl="1"/>
+            <a:r>
+              <a:rPr lang="en-US" altLang="ko-KR" dirty="0"/>
+              <a:t>Google News </a:t>
+            </a:r>
+          </a:p>
+          <a:p>
+            <a:pPr lvl="1"/>
+            <a:r>
+              <a:rPr lang="en-US" altLang="ko-KR" dirty="0"/>
+              <a:t>Wikipedia</a:t>
+            </a:r>
+          </a:p>
+          <a:p>
+            <a:pPr lvl="1"/>
+            <a:endParaRPr lang="en-US" altLang="ko-KR" dirty="0"/>
+          </a:p>
+          <a:p>
+            <a:r>
+              <a:rPr lang="en-US" altLang="ko-KR" dirty="0"/>
+              <a:t>15 Set of train.txt data collected for each languages</a:t>
+            </a:r>
+          </a:p>
+          <a:p>
+            <a:pPr lvl="1"/>
+            <a:r>
+              <a:rPr lang="en-US" altLang="ko-KR" dirty="0"/>
+              <a:t>Average 10 </a:t>
+            </a:r>
+            <a:r>
+              <a:rPr lang="en-US" altLang="ko-KR" dirty="0" err="1"/>
+              <a:t>Kb</a:t>
+            </a:r>
+            <a:r>
+              <a:rPr lang="en-US" altLang="ko-KR" dirty="0"/>
+              <a:t> size per each txt file.</a:t>
+            </a:r>
+          </a:p>
+        </p:txBody>
+      </p:sp>
     </p:spTree>
     <p:extLst>
       <p:ext uri="{BB962C8B-B14F-4D97-AF65-F5344CB8AC3E}">
-        <p14:creationId xmlns:p14="http://schemas.microsoft.com/office/powerpoint/2010/main" val="3476584113"/>
+        <p14:creationId xmlns:p14="http://schemas.microsoft.com/office/powerpoint/2010/main" val="2714928074"/>
       </p:ext>
     </p:extLst>
   </p:cSld>
@@ -6340,7 +6348,7 @@
           <p:cNvPr id="2" name="Title 1">
             <a:extLst>
               <a:ext uri="{FF2B5EF4-FFF2-40B4-BE49-F238E27FC236}">
-                <a16:creationId xmlns:a16="http://schemas.microsoft.com/office/drawing/2014/main" id="{1C402458-FCF3-4616-854C-58BD79639578}"/>
+                <a16:creationId xmlns="" xmlns:a16="http://schemas.microsoft.com/office/drawing/2014/main" id="{E4ED8AC8-DFC3-41B7-8374-184384454995}"/>
               </a:ext>
             </a:extLst>
           </p:cNvPr>
@@ -6358,7 +6366,7 @@
           <a:p>
             <a:r>
               <a:rPr lang="en-US" altLang="ko-KR" dirty="0"/>
-              <a:t>French</a:t>
+              <a:t>English</a:t>
             </a:r>
             <a:endParaRPr lang="ko-KR" altLang="en-US" dirty="0"/>
           </a:p>
@@ -6366,10 +6374,10 @@
       </p:sp>
       <p:pic>
         <p:nvPicPr>
-          <p:cNvPr id="5" name="Content Placeholder 4">
+          <p:cNvPr id="7" name="Content Placeholder 6">
             <a:extLst>
               <a:ext uri="{FF2B5EF4-FFF2-40B4-BE49-F238E27FC236}">
-                <a16:creationId xmlns:a16="http://schemas.microsoft.com/office/drawing/2014/main" id="{45C05559-8E79-401E-B363-8DBD59A5127C}"/>
+                <a16:creationId xmlns="" xmlns:a16="http://schemas.microsoft.com/office/drawing/2014/main" id="{CA18BBD0-0788-4460-B128-640B028AC45E}"/>
               </a:ext>
             </a:extLst>
           </p:cNvPr>
@@ -6388,17 +6396,17 @@
         </p:blipFill>
         <p:spPr>
           <a:xfrm>
-            <a:off x="1339883" y="2557463"/>
+            <a:off x="1252105" y="2557463"/>
             <a:ext cx="4976812" cy="3317875"/>
           </a:xfrm>
         </p:spPr>
       </p:pic>
       <p:pic>
         <p:nvPicPr>
-          <p:cNvPr id="7" name="Picture 6">
+          <p:cNvPr id="9" name="Picture 8">
             <a:extLst>
               <a:ext uri="{FF2B5EF4-FFF2-40B4-BE49-F238E27FC236}">
-                <a16:creationId xmlns:a16="http://schemas.microsoft.com/office/drawing/2014/main" id="{9C22041B-D251-4A11-8757-0962F212299E}"/>
+                <a16:creationId xmlns="" xmlns:a16="http://schemas.microsoft.com/office/drawing/2014/main" id="{9AAACF03-0A52-4C9A-90A9-50B7255E9470}"/>
               </a:ext>
             </a:extLst>
           </p:cNvPr>
@@ -6415,8 +6423,8 @@
         </p:blipFill>
         <p:spPr>
           <a:xfrm>
-            <a:off x="6316695" y="2557463"/>
-            <a:ext cx="4912137" cy="3317875"/>
+            <a:off x="6168527" y="2499553"/>
+            <a:ext cx="5487650" cy="3375785"/>
           </a:xfrm>
           <a:prstGeom prst="rect">
             <a:avLst/>
@@ -6426,7 +6434,7 @@
     </p:spTree>
     <p:extLst>
       <p:ext uri="{BB962C8B-B14F-4D97-AF65-F5344CB8AC3E}">
-        <p14:creationId xmlns:p14="http://schemas.microsoft.com/office/powerpoint/2010/main" val="1928752762"/>
+        <p14:creationId xmlns:p14="http://schemas.microsoft.com/office/powerpoint/2010/main" val="3476584113"/>
       </p:ext>
     </p:extLst>
   </p:cSld>
@@ -6458,7 +6466,7 @@
           <p:cNvPr id="2" name="Title 1">
             <a:extLst>
               <a:ext uri="{FF2B5EF4-FFF2-40B4-BE49-F238E27FC236}">
-                <a16:creationId xmlns:a16="http://schemas.microsoft.com/office/drawing/2014/main" id="{CCAC907B-B688-4381-993B-F7F1E68670F3}"/>
+                <a16:creationId xmlns="" xmlns:a16="http://schemas.microsoft.com/office/drawing/2014/main" id="{1C402458-FCF3-4616-854C-58BD79639578}"/>
               </a:ext>
             </a:extLst>
           </p:cNvPr>
@@ -6476,7 +6484,7 @@
           <a:p>
             <a:r>
               <a:rPr lang="en-US" altLang="ko-KR" dirty="0"/>
-              <a:t>Indonesian</a:t>
+              <a:t>French</a:t>
             </a:r>
             <a:endParaRPr lang="ko-KR" altLang="en-US" dirty="0"/>
           </a:p>
@@ -6487,7 +6495,7 @@
           <p:cNvPr id="5" name="Content Placeholder 4">
             <a:extLst>
               <a:ext uri="{FF2B5EF4-FFF2-40B4-BE49-F238E27FC236}">
-                <a16:creationId xmlns:a16="http://schemas.microsoft.com/office/drawing/2014/main" id="{C03B5B73-AE31-4052-AAA6-F5FEBF4AFDB9}"/>
+                <a16:creationId xmlns="" xmlns:a16="http://schemas.microsoft.com/office/drawing/2014/main" id="{45C05559-8E79-401E-B363-8DBD59A5127C}"/>
               </a:ext>
             </a:extLst>
           </p:cNvPr>
@@ -6506,7 +6514,7 @@
         </p:blipFill>
         <p:spPr>
           <a:xfrm>
-            <a:off x="1039956" y="2557463"/>
+            <a:off x="1339883" y="2557463"/>
             <a:ext cx="4976812" cy="3317875"/>
           </a:xfrm>
         </p:spPr>
@@ -6516,7 +6524,7 @@
           <p:cNvPr id="7" name="Picture 6">
             <a:extLst>
               <a:ext uri="{FF2B5EF4-FFF2-40B4-BE49-F238E27FC236}">
-                <a16:creationId xmlns:a16="http://schemas.microsoft.com/office/drawing/2014/main" id="{B1991E58-85EB-4214-8314-3AA8A01F8FCB}"/>
+                <a16:creationId xmlns="" xmlns:a16="http://schemas.microsoft.com/office/drawing/2014/main" id="{9C22041B-D251-4A11-8757-0962F212299E}"/>
               </a:ext>
             </a:extLst>
           </p:cNvPr>
@@ -6533,8 +6541,8 @@
         </p:blipFill>
         <p:spPr>
           <a:xfrm>
-            <a:off x="6096000" y="2557463"/>
-            <a:ext cx="5487650" cy="3317875"/>
+            <a:off x="6316695" y="2557463"/>
+            <a:ext cx="4912137" cy="3317875"/>
           </a:xfrm>
           <a:prstGeom prst="rect">
             <a:avLst/>
@@ -6544,7 +6552,7 @@
     </p:spTree>
     <p:extLst>
       <p:ext uri="{BB962C8B-B14F-4D97-AF65-F5344CB8AC3E}">
-        <p14:creationId xmlns:p14="http://schemas.microsoft.com/office/powerpoint/2010/main" val="3348497531"/>
+        <p14:creationId xmlns:p14="http://schemas.microsoft.com/office/powerpoint/2010/main" val="1928752762"/>
       </p:ext>
     </p:extLst>
   </p:cSld>
@@ -6571,12 +6579,41 @@
           <a:chExt cx="0" cy="0"/>
         </a:xfrm>
       </p:grpSpPr>
+      <p:sp>
+        <p:nvSpPr>
+          <p:cNvPr id="2" name="Title 1">
+            <a:extLst>
+              <a:ext uri="{FF2B5EF4-FFF2-40B4-BE49-F238E27FC236}">
+                <a16:creationId xmlns="" xmlns:a16="http://schemas.microsoft.com/office/drawing/2014/main" id="{CCAC907B-B688-4381-993B-F7F1E68670F3}"/>
+              </a:ext>
+            </a:extLst>
+          </p:cNvPr>
+          <p:cNvSpPr>
+            <a:spLocks noGrp="1"/>
+          </p:cNvSpPr>
+          <p:nvPr>
+            <p:ph type="title"/>
+          </p:nvPr>
+        </p:nvSpPr>
+        <p:spPr/>
+        <p:txBody>
+          <a:bodyPr/>
+          <a:lstStyle/>
+          <a:p>
+            <a:r>
+              <a:rPr lang="en-US" altLang="ko-KR" dirty="0"/>
+              <a:t>Indonesian</a:t>
+            </a:r>
+            <a:endParaRPr lang="ko-KR" altLang="en-US" dirty="0"/>
+          </a:p>
+        </p:txBody>
+      </p:sp>
       <p:pic>
         <p:nvPicPr>
-          <p:cNvPr id="4" name="Content Placeholder 6">
+          <p:cNvPr id="5" name="Content Placeholder 4">
             <a:extLst>
               <a:ext uri="{FF2B5EF4-FFF2-40B4-BE49-F238E27FC236}">
-                <a16:creationId xmlns:a16="http://schemas.microsoft.com/office/drawing/2014/main" id="{497F1275-DB83-452A-A17B-9838CD3CF6EB}"/>
+                <a16:creationId xmlns="" xmlns:a16="http://schemas.microsoft.com/office/drawing/2014/main" id="{C03B5B73-AE31-4052-AAA6-F5FEBF4AFDB9}"/>
               </a:ext>
             </a:extLst>
           </p:cNvPr>
@@ -6595,17 +6632,17 @@
         </p:blipFill>
         <p:spPr>
           <a:xfrm>
-            <a:off x="1222837" y="648197"/>
-            <a:ext cx="10379069" cy="1487842"/>
+            <a:off x="1039956" y="2557463"/>
+            <a:ext cx="4976812" cy="3317875"/>
           </a:xfrm>
         </p:spPr>
       </p:pic>
       <p:pic>
         <p:nvPicPr>
-          <p:cNvPr id="5" name="Content Placeholder 4">
+          <p:cNvPr id="7" name="Picture 6">
             <a:extLst>
               <a:ext uri="{FF2B5EF4-FFF2-40B4-BE49-F238E27FC236}">
-                <a16:creationId xmlns:a16="http://schemas.microsoft.com/office/drawing/2014/main" id="{3E10FF34-5CBD-4CC5-B9B7-1F23D0C11ED5}"/>
+                <a16:creationId xmlns="" xmlns:a16="http://schemas.microsoft.com/office/drawing/2014/main" id="{B1991E58-85EB-4214-8314-3AA8A01F8FCB}"/>
               </a:ext>
             </a:extLst>
           </p:cNvPr>
@@ -6622,38 +6659,8 @@
         </p:blipFill>
         <p:spPr>
           <a:xfrm>
-            <a:off x="1222837" y="2557464"/>
-            <a:ext cx="10379069" cy="1400060"/>
-          </a:xfrm>
-          <a:prstGeom prst="rect">
-            <a:avLst/>
-          </a:prstGeom>
-        </p:spPr>
-      </p:pic>
-      <p:pic>
-        <p:nvPicPr>
-          <p:cNvPr id="6" name="Content Placeholder 4">
-            <a:extLst>
-              <a:ext uri="{FF2B5EF4-FFF2-40B4-BE49-F238E27FC236}">
-                <a16:creationId xmlns:a16="http://schemas.microsoft.com/office/drawing/2014/main" id="{F9376201-FB1E-434D-B5F4-7876D60F8E1C}"/>
-              </a:ext>
-            </a:extLst>
-          </p:cNvPr>
-          <p:cNvPicPr>
-            <a:picLocks noChangeAspect="1"/>
-          </p:cNvPicPr>
-          <p:nvPr/>
-        </p:nvPicPr>
-        <p:blipFill>
-          <a:blip r:embed="rId4"/>
-          <a:stretch>
-            <a:fillRect/>
-          </a:stretch>
-        </p:blipFill>
-        <p:spPr>
-          <a:xfrm>
-            <a:off x="1222837" y="3906317"/>
-            <a:ext cx="10379069" cy="1969021"/>
+            <a:off x="6096000" y="2557463"/>
+            <a:ext cx="5487650" cy="3317875"/>
           </a:xfrm>
           <a:prstGeom prst="rect">
             <a:avLst/>
@@ -6663,7 +6670,7 @@
     </p:spTree>
     <p:extLst>
       <p:ext uri="{BB962C8B-B14F-4D97-AF65-F5344CB8AC3E}">
-        <p14:creationId xmlns:p14="http://schemas.microsoft.com/office/powerpoint/2010/main" val="1492503388"/>
+        <p14:creationId xmlns:p14="http://schemas.microsoft.com/office/powerpoint/2010/main" val="3348497531"/>
       </p:ext>
     </p:extLst>
   </p:cSld>
@@ -6690,106 +6697,99 @@
           <a:chExt cx="0" cy="0"/>
         </a:xfrm>
       </p:grpSpPr>
-      <p:sp>
-        <p:nvSpPr>
-          <p:cNvPr id="2" name="Title 1">
+      <p:pic>
+        <p:nvPicPr>
+          <p:cNvPr id="4" name="Content Placeholder 6">
             <a:extLst>
               <a:ext uri="{FF2B5EF4-FFF2-40B4-BE49-F238E27FC236}">
-                <a16:creationId xmlns:a16="http://schemas.microsoft.com/office/drawing/2014/main" id="{FA9DE8D5-D29B-4E9E-90B8-67DCEE484142}"/>
+                <a16:creationId xmlns="" xmlns:a16="http://schemas.microsoft.com/office/drawing/2014/main" id="{497F1275-DB83-452A-A17B-9838CD3CF6EB}"/>
               </a:ext>
             </a:extLst>
           </p:cNvPr>
-          <p:cNvSpPr>
-            <a:spLocks noGrp="1"/>
-          </p:cNvSpPr>
-          <p:nvPr>
-            <p:ph type="title"/>
-          </p:nvPr>
-        </p:nvSpPr>
-        <p:spPr/>
-        <p:txBody>
-          <a:bodyPr/>
-          <a:lstStyle/>
-          <a:p>
-            <a:r>
-              <a:rPr lang="en-US" altLang="ko-KR" dirty="0"/>
-              <a:t>Train Data</a:t>
-            </a:r>
-            <a:endParaRPr lang="ko-KR" altLang="en-US" dirty="0"/>
-          </a:p>
-        </p:txBody>
-      </p:sp>
-      <p:sp>
-        <p:nvSpPr>
-          <p:cNvPr id="3" name="Content Placeholder 2">
+          <p:cNvPicPr>
+            <a:picLocks noGrp="1" noChangeAspect="1"/>
+          </p:cNvPicPr>
+          <p:nvPr>
+            <p:ph idx="1"/>
+          </p:nvPr>
+        </p:nvPicPr>
+        <p:blipFill>
+          <a:blip r:embed="rId2"/>
+          <a:stretch>
+            <a:fillRect/>
+          </a:stretch>
+        </p:blipFill>
+        <p:spPr>
+          <a:xfrm>
+            <a:off x="1222837" y="648197"/>
+            <a:ext cx="10379069" cy="1487842"/>
+          </a:xfrm>
+        </p:spPr>
+      </p:pic>
+      <p:pic>
+        <p:nvPicPr>
+          <p:cNvPr id="5" name="Content Placeholder 4">
             <a:extLst>
               <a:ext uri="{FF2B5EF4-FFF2-40B4-BE49-F238E27FC236}">
-                <a16:creationId xmlns:a16="http://schemas.microsoft.com/office/drawing/2014/main" id="{790AF7D2-C01C-4206-A3AC-8493647A228A}"/>
+                <a16:creationId xmlns="" xmlns:a16="http://schemas.microsoft.com/office/drawing/2014/main" id="{3E10FF34-5CBD-4CC5-B9B7-1F23D0C11ED5}"/>
               </a:ext>
             </a:extLst>
           </p:cNvPr>
-          <p:cNvSpPr>
-            <a:spLocks noGrp="1"/>
-          </p:cNvSpPr>
-          <p:nvPr>
-            <p:ph idx="1"/>
-          </p:nvPr>
-        </p:nvSpPr>
-        <p:spPr/>
-        <p:txBody>
-          <a:bodyPr/>
-          <a:lstStyle/>
-          <a:p>
-            <a:r>
-              <a:rPr lang="en-US" altLang="ko-KR" dirty="0"/>
-              <a:t>Source of Train Data:</a:t>
-            </a:r>
-          </a:p>
-          <a:p>
-            <a:pPr lvl="1"/>
-            <a:r>
-              <a:rPr lang="en-US" altLang="ko-KR" dirty="0"/>
-              <a:t>Google News </a:t>
-            </a:r>
-          </a:p>
-          <a:p>
-            <a:pPr lvl="1"/>
-            <a:r>
-              <a:rPr lang="en-US" altLang="ko-KR" dirty="0"/>
-              <a:t>Wikipedia</a:t>
-            </a:r>
-          </a:p>
-          <a:p>
-            <a:pPr lvl="1"/>
-            <a:endParaRPr lang="en-US" altLang="ko-KR" dirty="0"/>
-          </a:p>
-          <a:p>
-            <a:r>
-              <a:rPr lang="en-US" altLang="ko-KR" dirty="0"/>
-              <a:t>15 Set of train.txt data collected for each languages</a:t>
-            </a:r>
-          </a:p>
-          <a:p>
-            <a:pPr lvl="1"/>
-            <a:r>
-              <a:rPr lang="en-US" altLang="ko-KR" dirty="0"/>
-              <a:t>Average 10 </a:t>
-            </a:r>
-            <a:r>
-              <a:rPr lang="en-US" altLang="ko-KR" dirty="0" err="1"/>
-              <a:t>Kb</a:t>
-            </a:r>
-            <a:r>
-              <a:rPr lang="en-US" altLang="ko-KR" dirty="0"/>
-              <a:t> size per each txt file.</a:t>
-            </a:r>
-          </a:p>
-        </p:txBody>
-      </p:sp>
+          <p:cNvPicPr>
+            <a:picLocks noChangeAspect="1"/>
+          </p:cNvPicPr>
+          <p:nvPr/>
+        </p:nvPicPr>
+        <p:blipFill>
+          <a:blip r:embed="rId3"/>
+          <a:stretch>
+            <a:fillRect/>
+          </a:stretch>
+        </p:blipFill>
+        <p:spPr>
+          <a:xfrm>
+            <a:off x="1222837" y="2557464"/>
+            <a:ext cx="10379069" cy="1400060"/>
+          </a:xfrm>
+          <a:prstGeom prst="rect">
+            <a:avLst/>
+          </a:prstGeom>
+        </p:spPr>
+      </p:pic>
+      <p:pic>
+        <p:nvPicPr>
+          <p:cNvPr id="6" name="Content Placeholder 4">
+            <a:extLst>
+              <a:ext uri="{FF2B5EF4-FFF2-40B4-BE49-F238E27FC236}">
+                <a16:creationId xmlns="" xmlns:a16="http://schemas.microsoft.com/office/drawing/2014/main" id="{F9376201-FB1E-434D-B5F4-7876D60F8E1C}"/>
+              </a:ext>
+            </a:extLst>
+          </p:cNvPr>
+          <p:cNvPicPr>
+            <a:picLocks noChangeAspect="1"/>
+          </p:cNvPicPr>
+          <p:nvPr/>
+        </p:nvPicPr>
+        <p:blipFill>
+          <a:blip r:embed="rId4"/>
+          <a:stretch>
+            <a:fillRect/>
+          </a:stretch>
+        </p:blipFill>
+        <p:spPr>
+          <a:xfrm>
+            <a:off x="1222837" y="3906317"/>
+            <a:ext cx="10379069" cy="1969021"/>
+          </a:xfrm>
+          <a:prstGeom prst="rect">
+            <a:avLst/>
+          </a:prstGeom>
+        </p:spPr>
+      </p:pic>
     </p:spTree>
     <p:extLst>
       <p:ext uri="{BB962C8B-B14F-4D97-AF65-F5344CB8AC3E}">
-        <p14:creationId xmlns:p14="http://schemas.microsoft.com/office/powerpoint/2010/main" val="2714928074"/>
+        <p14:creationId xmlns:p14="http://schemas.microsoft.com/office/powerpoint/2010/main" val="1492503388"/>
       </p:ext>
     </p:extLst>
   </p:cSld>
@@ -6821,7 +6821,7 @@
           <p:cNvPr id="2" name="Title 1">
             <a:extLst>
               <a:ext uri="{FF2B5EF4-FFF2-40B4-BE49-F238E27FC236}">
-                <a16:creationId xmlns:a16="http://schemas.microsoft.com/office/drawing/2014/main" id="{959DFAEC-820A-4031-B49B-4700E3B78583}"/>
+                <a16:creationId xmlns="" xmlns:a16="http://schemas.microsoft.com/office/drawing/2014/main" id="{959DFAEC-820A-4031-B49B-4700E3B78583}"/>
               </a:ext>
             </a:extLst>
           </p:cNvPr>
@@ -6850,7 +6850,7 @@
           <p:cNvPr id="4" name="Picture 3">
             <a:extLst>
               <a:ext uri="{FF2B5EF4-FFF2-40B4-BE49-F238E27FC236}">
-                <a16:creationId xmlns:a16="http://schemas.microsoft.com/office/drawing/2014/main" id="{0ECA2230-8E5E-42CF-BA1F-59F6BB646814}"/>
+                <a16:creationId xmlns="" xmlns:a16="http://schemas.microsoft.com/office/drawing/2014/main" id="{0ECA2230-8E5E-42CF-BA1F-59F6BB646814}"/>
               </a:ext>
             </a:extLst>
           </p:cNvPr>
@@ -6880,7 +6880,7 @@
           <p:cNvPr id="5" name="Picture 4">
             <a:extLst>
               <a:ext uri="{FF2B5EF4-FFF2-40B4-BE49-F238E27FC236}">
-                <a16:creationId xmlns:a16="http://schemas.microsoft.com/office/drawing/2014/main" id="{35D33BF1-6648-4535-B9EA-311BBEBA6704}"/>
+                <a16:creationId xmlns="" xmlns:a16="http://schemas.microsoft.com/office/drawing/2014/main" id="{35D33BF1-6648-4535-B9EA-311BBEBA6704}"/>
               </a:ext>
             </a:extLst>
           </p:cNvPr>
@@ -6910,7 +6910,7 @@
           <p:cNvPr id="6" name="Arrow: Curved Down 5">
             <a:extLst>
               <a:ext uri="{FF2B5EF4-FFF2-40B4-BE49-F238E27FC236}">
-                <a16:creationId xmlns:a16="http://schemas.microsoft.com/office/drawing/2014/main" id="{4D2BD563-2B7F-42B5-A66D-294C680BE7CB}"/>
+                <a16:creationId xmlns="" xmlns:a16="http://schemas.microsoft.com/office/drawing/2014/main" id="{4D2BD563-2B7F-42B5-A66D-294C680BE7CB}"/>
               </a:ext>
             </a:extLst>
           </p:cNvPr>
@@ -6960,7 +6960,7 @@
           <p:cNvPr id="7" name="Rectangle 6">
             <a:extLst>
               <a:ext uri="{FF2B5EF4-FFF2-40B4-BE49-F238E27FC236}">
-                <a16:creationId xmlns:a16="http://schemas.microsoft.com/office/drawing/2014/main" id="{387DBAD8-76D8-43D9-A508-D8E4A4760CF2}"/>
+                <a16:creationId xmlns="" xmlns:a16="http://schemas.microsoft.com/office/drawing/2014/main" id="{387DBAD8-76D8-43D9-A508-D8E4A4760CF2}"/>
               </a:ext>
             </a:extLst>
           </p:cNvPr>
@@ -7040,7 +7040,7 @@
           <p:cNvPr id="2" name="Title 1">
             <a:extLst>
               <a:ext uri="{FF2B5EF4-FFF2-40B4-BE49-F238E27FC236}">
-                <a16:creationId xmlns:a16="http://schemas.microsoft.com/office/drawing/2014/main" id="{C1B0DF9D-704A-4795-87E3-6613F8882AFC}"/>
+                <a16:creationId xmlns="" xmlns:a16="http://schemas.microsoft.com/office/drawing/2014/main" id="{C1B0DF9D-704A-4795-87E3-6613F8882AFC}"/>
               </a:ext>
             </a:extLst>
           </p:cNvPr>
@@ -7061,6 +7061,291 @@
               <a:t>Random Forest Classifier</a:t>
             </a:r>
             <a:endParaRPr lang="ko-KR" altLang="en-US" dirty="0"/>
+          </a:p>
+        </p:txBody>
+      </p:sp>
+      <p:pic>
+        <p:nvPicPr>
+          <p:cNvPr id="1027" name="Picture 3"/>
+          <p:cNvPicPr>
+            <a:picLocks noChangeAspect="1" noChangeArrowheads="1"/>
+          </p:cNvPicPr>
+          <p:nvPr/>
+        </p:nvPicPr>
+        <p:blipFill>
+          <a:blip r:embed="rId2">
+            <a:extLst>
+              <a:ext uri="{28A0092B-C50C-407E-A947-70E740481C1C}">
+                <a14:useLocalDpi xmlns:a14="http://schemas.microsoft.com/office/drawing/2010/main" val="0"/>
+              </a:ext>
+            </a:extLst>
+          </a:blip>
+          <a:srcRect/>
+          <a:stretch>
+            <a:fillRect/>
+          </a:stretch>
+        </p:blipFill>
+        <p:spPr bwMode="auto">
+          <a:xfrm>
+            <a:off x="6623957" y="3354160"/>
+            <a:ext cx="3924300" cy="2476500"/>
+          </a:xfrm>
+          <a:prstGeom prst="rect">
+            <a:avLst/>
+          </a:prstGeom>
+          <a:noFill/>
+          <a:ln>
+            <a:noFill/>
+          </a:ln>
+          <a:effectLst/>
+          <a:extLst>
+            <a:ext uri="{909E8E84-426E-40DD-AFC4-6F175D3DCCD1}">
+              <a14:hiddenFill xmlns:a14="http://schemas.microsoft.com/office/drawing/2010/main">
+                <a:solidFill>
+                  <a:schemeClr val="accent1"/>
+                </a:solidFill>
+              </a14:hiddenFill>
+            </a:ext>
+            <a:ext uri="{91240B29-F687-4F45-9708-019B960494DF}">
+              <a14:hiddenLine xmlns:a14="http://schemas.microsoft.com/office/drawing/2010/main" w="9525">
+                <a:solidFill>
+                  <a:schemeClr val="tx1"/>
+                </a:solidFill>
+                <a:miter lim="800000"/>
+                <a:headEnd/>
+                <a:tailEnd/>
+              </a14:hiddenLine>
+            </a:ext>
+            <a:ext uri="{AF507438-7753-43E0-B8FC-AC1667EBCBE1}">
+              <a14:hiddenEffects xmlns:a14="http://schemas.microsoft.com/office/drawing/2010/main">
+                <a:effectLst>
+                  <a:outerShdw dist="35921" dir="2700000" algn="ctr" rotWithShape="0">
+                    <a:schemeClr val="bg2"/>
+                  </a:outerShdw>
+                </a:effectLst>
+              </a14:hiddenEffects>
+            </a:ext>
+          </a:extLst>
+        </p:spPr>
+      </p:pic>
+      <p:pic>
+        <p:nvPicPr>
+          <p:cNvPr id="1028" name="Picture 4"/>
+          <p:cNvPicPr>
+            <a:picLocks noChangeAspect="1" noChangeArrowheads="1"/>
+          </p:cNvPicPr>
+          <p:nvPr/>
+        </p:nvPicPr>
+        <p:blipFill>
+          <a:blip r:embed="rId3">
+            <a:extLst>
+              <a:ext uri="{28A0092B-C50C-407E-A947-70E740481C1C}">
+                <a14:useLocalDpi xmlns:a14="http://schemas.microsoft.com/office/drawing/2010/main" val="0"/>
+              </a:ext>
+            </a:extLst>
+          </a:blip>
+          <a:srcRect/>
+          <a:stretch>
+            <a:fillRect/>
+          </a:stretch>
+        </p:blipFill>
+        <p:spPr bwMode="auto">
+          <a:xfrm>
+            <a:off x="1827439" y="3439885"/>
+            <a:ext cx="4171950" cy="2390775"/>
+          </a:xfrm>
+          <a:prstGeom prst="rect">
+            <a:avLst/>
+          </a:prstGeom>
+          <a:noFill/>
+          <a:ln>
+            <a:noFill/>
+          </a:ln>
+          <a:effectLst/>
+          <a:extLst>
+            <a:ext uri="{909E8E84-426E-40DD-AFC4-6F175D3DCCD1}">
+              <a14:hiddenFill xmlns:a14="http://schemas.microsoft.com/office/drawing/2010/main">
+                <a:solidFill>
+                  <a:schemeClr val="accent1"/>
+                </a:solidFill>
+              </a14:hiddenFill>
+            </a:ext>
+            <a:ext uri="{91240B29-F687-4F45-9708-019B960494DF}">
+              <a14:hiddenLine xmlns:a14="http://schemas.microsoft.com/office/drawing/2010/main" w="9525">
+                <a:solidFill>
+                  <a:schemeClr val="tx1"/>
+                </a:solidFill>
+                <a:miter lim="800000"/>
+                <a:headEnd/>
+                <a:tailEnd/>
+              </a14:hiddenLine>
+            </a:ext>
+            <a:ext uri="{AF507438-7753-43E0-B8FC-AC1667EBCBE1}">
+              <a14:hiddenEffects xmlns:a14="http://schemas.microsoft.com/office/drawing/2010/main">
+                <a:effectLst>
+                  <a:outerShdw dist="35921" dir="2700000" algn="ctr" rotWithShape="0">
+                    <a:schemeClr val="bg2"/>
+                  </a:outerShdw>
+                </a:effectLst>
+              </a14:hiddenEffects>
+            </a:ext>
+          </a:extLst>
+        </p:spPr>
+      </p:pic>
+      <p:sp>
+        <p:nvSpPr>
+          <p:cNvPr id="3" name="TextBox 2"/>
+          <p:cNvSpPr txBox="1"/>
+          <p:nvPr/>
+        </p:nvSpPr>
+        <p:spPr>
+          <a:xfrm>
+            <a:off x="1755321" y="2620736"/>
+            <a:ext cx="6463564" cy="646331"/>
+          </a:xfrm>
+          <a:prstGeom prst="rect">
+            <a:avLst/>
+          </a:prstGeom>
+          <a:noFill/>
+        </p:spPr>
+        <p:txBody>
+          <a:bodyPr wrap="none" rtlCol="0">
+            <a:spAutoFit/>
+          </a:bodyPr>
+          <a:lstStyle/>
+          <a:p>
+            <a:pPr marL="285750" indent="-285750">
+              <a:buFont typeface="Arial" pitchFamily="34" charset="0"/>
+              <a:buChar char="•"/>
+            </a:pPr>
+            <a:r>
+              <a:rPr lang="en-US" dirty="0" smtClean="0"/>
+              <a:t>SVC algorithm and Random Forest both got precision score of 1.0</a:t>
+            </a:r>
+          </a:p>
+          <a:p>
+            <a:pPr marL="285750" indent="-285750">
+              <a:buFont typeface="Arial" pitchFamily="34" charset="0"/>
+              <a:buChar char="•"/>
+            </a:pPr>
+            <a:r>
+              <a:rPr lang="en-US" dirty="0" smtClean="0"/>
+              <a:t>SVC algorithm performed slightly faster than Random Forest</a:t>
+            </a:r>
+            <a:endParaRPr lang="en-US" dirty="0"/>
+          </a:p>
+        </p:txBody>
+      </p:sp>
+      <p:sp>
+        <p:nvSpPr>
+          <p:cNvPr id="4" name="Rectangle 3"/>
+          <p:cNvSpPr/>
+          <p:nvPr/>
+        </p:nvSpPr>
+        <p:spPr>
+          <a:xfrm>
+            <a:off x="5772834" y="4069514"/>
+            <a:ext cx="646331" cy="923330"/>
+          </a:xfrm>
+          <a:prstGeom prst="rect">
+            <a:avLst/>
+          </a:prstGeom>
+          <a:noFill/>
+        </p:spPr>
+        <p:txBody>
+          <a:bodyPr wrap="none" lIns="91440" tIns="45720" rIns="91440" bIns="45720">
+            <a:spAutoFit/>
+          </a:bodyPr>
+          <a:lstStyle/>
+          <a:p>
+            <a:pPr algn="ctr"/>
+            <a:r>
+              <a:rPr lang="en-US" sz="5400" b="1" cap="all" spc="0" dirty="0" smtClean="0">
+                <a:ln w="9000" cmpd="sng">
+                  <a:solidFill>
+                    <a:schemeClr val="accent4">
+                      <a:shade val="50000"/>
+                      <a:satMod val="120000"/>
+                    </a:schemeClr>
+                  </a:solidFill>
+                  <a:prstDash val="solid"/>
+                </a:ln>
+                <a:gradFill>
+                  <a:gsLst>
+                    <a:gs pos="0">
+                      <a:schemeClr val="accent4">
+                        <a:shade val="20000"/>
+                        <a:satMod val="245000"/>
+                      </a:schemeClr>
+                    </a:gs>
+                    <a:gs pos="43000">
+                      <a:schemeClr val="accent4">
+                        <a:satMod val="255000"/>
+                      </a:schemeClr>
+                    </a:gs>
+                    <a:gs pos="48000">
+                      <a:schemeClr val="accent4">
+                        <a:shade val="85000"/>
+                        <a:satMod val="255000"/>
+                      </a:schemeClr>
+                    </a:gs>
+                    <a:gs pos="100000">
+                      <a:schemeClr val="accent4">
+                        <a:shade val="20000"/>
+                        <a:satMod val="245000"/>
+                      </a:schemeClr>
+                    </a:gs>
+                  </a:gsLst>
+                  <a:lin ang="5400000"/>
+                </a:gradFill>
+                <a:effectLst>
+                  <a:reflection blurRad="12700" stA="28000" endPos="45000" dist="1000" dir="5400000" sy="-100000" algn="bl" rotWithShape="0"/>
+                </a:effectLst>
+              </a:rPr>
+              <a:t>&gt;</a:t>
+            </a:r>
+            <a:endParaRPr lang="en-US" sz="5400" b="1" cap="all" spc="0" dirty="0">
+              <a:ln w="9000" cmpd="sng">
+                <a:solidFill>
+                  <a:schemeClr val="accent4">
+                    <a:shade val="50000"/>
+                    <a:satMod val="120000"/>
+                  </a:schemeClr>
+                </a:solidFill>
+                <a:prstDash val="solid"/>
+              </a:ln>
+              <a:gradFill>
+                <a:gsLst>
+                  <a:gs pos="0">
+                    <a:schemeClr val="accent4">
+                      <a:shade val="20000"/>
+                      <a:satMod val="245000"/>
+                    </a:schemeClr>
+                  </a:gs>
+                  <a:gs pos="43000">
+                    <a:schemeClr val="accent4">
+                      <a:satMod val="255000"/>
+                    </a:schemeClr>
+                  </a:gs>
+                  <a:gs pos="48000">
+                    <a:schemeClr val="accent4">
+                      <a:shade val="85000"/>
+                      <a:satMod val="255000"/>
+                    </a:schemeClr>
+                  </a:gs>
+                  <a:gs pos="100000">
+                    <a:schemeClr val="accent4">
+                      <a:shade val="20000"/>
+                      <a:satMod val="245000"/>
+                    </a:schemeClr>
+                  </a:gs>
+                </a:gsLst>
+                <a:lin ang="5400000"/>
+              </a:gradFill>
+              <a:effectLst>
+                <a:reflection blurRad="12700" stA="28000" endPos="45000" dist="1000" dir="5400000" sy="-100000" algn="bl" rotWithShape="0"/>
+              </a:effectLst>
+            </a:endParaRPr>
           </a:p>
         </p:txBody>
       </p:sp>
@@ -7120,7 +7405,7 @@
     </a:clrScheme>
     <a:fontScheme name="Organic">
       <a:majorFont>
-        <a:latin typeface="Garamond" panose="02020404030301010803"/>
+        <a:latin typeface="Garamond"/>
         <a:ea typeface=""/>
         <a:cs typeface=""/>
         <a:font script="Jpan" typeface="ＭＳ Ｐゴシック"/>
@@ -7155,7 +7440,7 @@
         <a:font script="Geor" typeface="Sylfaen"/>
       </a:majorFont>
       <a:minorFont>
-        <a:latin typeface="Garamond" panose="02020404030301010803"/>
+        <a:latin typeface="Garamond"/>
         <a:ea typeface=""/>
         <a:cs typeface=""/>
         <a:font script="Jpan" typeface="ＭＳ Ｐ明朝"/>
@@ -7304,7 +7589,7 @@
   <a:extraClrSchemeLst/>
   <a:extLst>
     <a:ext uri="{05A4C25C-085E-4340-85A3-A5531E510DB2}">
-      <thm15:themeFamily xmlns:thm15="http://schemas.microsoft.com/office/thememl/2012/main" name="Organic" id="{28CDC826-8792-45C0-861B-85EB3ADEDA33}" vid="{7DAC20F1-423D-49E2-BD0B-50532748BAD0}"/>
+      <thm15:themeFamily xmlns="" xmlns:thm15="http://schemas.microsoft.com/office/thememl/2012/main" name="Organic" id="{28CDC826-8792-45C0-861B-85EB3ADEDA33}" vid="{7DAC20F1-423D-49E2-BD0B-50532748BAD0}"/>
     </a:ext>
   </a:extLst>
 </a:theme>

--- a/Language Detector.pptx
+++ b/Language Detector.pptx
@@ -12,9 +12,10 @@
     <p:sldId id="261" r:id="rId6"/>
     <p:sldId id="262" r:id="rId7"/>
     <p:sldId id="264" r:id="rId8"/>
-    <p:sldId id="260" r:id="rId9"/>
-    <p:sldId id="265" r:id="rId10"/>
-    <p:sldId id="263" r:id="rId11"/>
+    <p:sldId id="266" r:id="rId9"/>
+    <p:sldId id="260" r:id="rId10"/>
+    <p:sldId id="265" r:id="rId11"/>
+    <p:sldId id="263" r:id="rId12"/>
   </p:sldIdLst>
   <p:sldSz cx="12192000" cy="6858000"/>
   <p:notesSz cx="6858000" cy="9144000"/>
@@ -5933,6 +5934,350 @@
           <p:cNvPr id="2" name="Title 1">
             <a:extLst>
               <a:ext uri="{FF2B5EF4-FFF2-40B4-BE49-F238E27FC236}">
+                <a16:creationId xmlns="" xmlns:a16="http://schemas.microsoft.com/office/drawing/2014/main" id="{C1B0DF9D-704A-4795-87E3-6613F8882AFC}"/>
+              </a:ext>
+            </a:extLst>
+          </p:cNvPr>
+          <p:cNvSpPr>
+            <a:spLocks noGrp="1"/>
+          </p:cNvSpPr>
+          <p:nvPr>
+            <p:ph type="title"/>
+          </p:nvPr>
+        </p:nvSpPr>
+        <p:spPr/>
+        <p:txBody>
+          <a:bodyPr/>
+          <a:lstStyle/>
+          <a:p>
+            <a:r>
+              <a:rPr lang="en-US" altLang="ko-KR" dirty="0"/>
+              <a:t>Random Forest Classifier</a:t>
+            </a:r>
+            <a:endParaRPr lang="ko-KR" altLang="en-US" dirty="0"/>
+          </a:p>
+        </p:txBody>
+      </p:sp>
+      <p:pic>
+        <p:nvPicPr>
+          <p:cNvPr id="1027" name="Picture 3"/>
+          <p:cNvPicPr>
+            <a:picLocks noChangeAspect="1" noChangeArrowheads="1"/>
+          </p:cNvPicPr>
+          <p:nvPr/>
+        </p:nvPicPr>
+        <p:blipFill>
+          <a:blip r:embed="rId2">
+            <a:extLst>
+              <a:ext uri="{28A0092B-C50C-407E-A947-70E740481C1C}">
+                <a14:useLocalDpi xmlns:a14="http://schemas.microsoft.com/office/drawing/2010/main" val="0"/>
+              </a:ext>
+            </a:extLst>
+          </a:blip>
+          <a:srcRect/>
+          <a:stretch>
+            <a:fillRect/>
+          </a:stretch>
+        </p:blipFill>
+        <p:spPr bwMode="auto">
+          <a:xfrm>
+            <a:off x="6623957" y="3354160"/>
+            <a:ext cx="3924300" cy="2476500"/>
+          </a:xfrm>
+          <a:prstGeom prst="rect">
+            <a:avLst/>
+          </a:prstGeom>
+          <a:noFill/>
+          <a:ln>
+            <a:noFill/>
+          </a:ln>
+          <a:effectLst/>
+          <a:extLst>
+            <a:ext uri="{909E8E84-426E-40DD-AFC4-6F175D3DCCD1}">
+              <a14:hiddenFill xmlns:a14="http://schemas.microsoft.com/office/drawing/2010/main">
+                <a:solidFill>
+                  <a:schemeClr val="accent1"/>
+                </a:solidFill>
+              </a14:hiddenFill>
+            </a:ext>
+            <a:ext uri="{91240B29-F687-4F45-9708-019B960494DF}">
+              <a14:hiddenLine xmlns:a14="http://schemas.microsoft.com/office/drawing/2010/main" w="9525">
+                <a:solidFill>
+                  <a:schemeClr val="tx1"/>
+                </a:solidFill>
+                <a:miter lim="800000"/>
+                <a:headEnd/>
+                <a:tailEnd/>
+              </a14:hiddenLine>
+            </a:ext>
+            <a:ext uri="{AF507438-7753-43E0-B8FC-AC1667EBCBE1}">
+              <a14:hiddenEffects xmlns:a14="http://schemas.microsoft.com/office/drawing/2010/main">
+                <a:effectLst>
+                  <a:outerShdw dist="35921" dir="2700000" algn="ctr" rotWithShape="0">
+                    <a:schemeClr val="bg2"/>
+                  </a:outerShdw>
+                </a:effectLst>
+              </a14:hiddenEffects>
+            </a:ext>
+          </a:extLst>
+        </p:spPr>
+      </p:pic>
+      <p:pic>
+        <p:nvPicPr>
+          <p:cNvPr id="1028" name="Picture 4"/>
+          <p:cNvPicPr>
+            <a:picLocks noChangeAspect="1" noChangeArrowheads="1"/>
+          </p:cNvPicPr>
+          <p:nvPr/>
+        </p:nvPicPr>
+        <p:blipFill>
+          <a:blip r:embed="rId3">
+            <a:extLst>
+              <a:ext uri="{28A0092B-C50C-407E-A947-70E740481C1C}">
+                <a14:useLocalDpi xmlns:a14="http://schemas.microsoft.com/office/drawing/2010/main" val="0"/>
+              </a:ext>
+            </a:extLst>
+          </a:blip>
+          <a:srcRect/>
+          <a:stretch>
+            <a:fillRect/>
+          </a:stretch>
+        </p:blipFill>
+        <p:spPr bwMode="auto">
+          <a:xfrm>
+            <a:off x="1827439" y="3439885"/>
+            <a:ext cx="4171950" cy="2390775"/>
+          </a:xfrm>
+          <a:prstGeom prst="rect">
+            <a:avLst/>
+          </a:prstGeom>
+          <a:noFill/>
+          <a:ln>
+            <a:noFill/>
+          </a:ln>
+          <a:effectLst/>
+          <a:extLst>
+            <a:ext uri="{909E8E84-426E-40DD-AFC4-6F175D3DCCD1}">
+              <a14:hiddenFill xmlns:a14="http://schemas.microsoft.com/office/drawing/2010/main">
+                <a:solidFill>
+                  <a:schemeClr val="accent1"/>
+                </a:solidFill>
+              </a14:hiddenFill>
+            </a:ext>
+            <a:ext uri="{91240B29-F687-4F45-9708-019B960494DF}">
+              <a14:hiddenLine xmlns:a14="http://schemas.microsoft.com/office/drawing/2010/main" w="9525">
+                <a:solidFill>
+                  <a:schemeClr val="tx1"/>
+                </a:solidFill>
+                <a:miter lim="800000"/>
+                <a:headEnd/>
+                <a:tailEnd/>
+              </a14:hiddenLine>
+            </a:ext>
+            <a:ext uri="{AF507438-7753-43E0-B8FC-AC1667EBCBE1}">
+              <a14:hiddenEffects xmlns:a14="http://schemas.microsoft.com/office/drawing/2010/main">
+                <a:effectLst>
+                  <a:outerShdw dist="35921" dir="2700000" algn="ctr" rotWithShape="0">
+                    <a:schemeClr val="bg2"/>
+                  </a:outerShdw>
+                </a:effectLst>
+              </a14:hiddenEffects>
+            </a:ext>
+          </a:extLst>
+        </p:spPr>
+      </p:pic>
+      <p:sp>
+        <p:nvSpPr>
+          <p:cNvPr id="3" name="TextBox 2"/>
+          <p:cNvSpPr txBox="1"/>
+          <p:nvPr/>
+        </p:nvSpPr>
+        <p:spPr>
+          <a:xfrm>
+            <a:off x="1755321" y="2620736"/>
+            <a:ext cx="6463564" cy="646331"/>
+          </a:xfrm>
+          <a:prstGeom prst="rect">
+            <a:avLst/>
+          </a:prstGeom>
+          <a:noFill/>
+        </p:spPr>
+        <p:txBody>
+          <a:bodyPr wrap="none" rtlCol="0">
+            <a:spAutoFit/>
+          </a:bodyPr>
+          <a:lstStyle/>
+          <a:p>
+            <a:pPr marL="285750" indent="-285750">
+              <a:buFont typeface="Arial" pitchFamily="34" charset="0"/>
+              <a:buChar char="•"/>
+            </a:pPr>
+            <a:r>
+              <a:rPr lang="en-US" dirty="0" smtClean="0"/>
+              <a:t>SVC algorithm and Random Forest both got precision score of 1.0</a:t>
+            </a:r>
+          </a:p>
+          <a:p>
+            <a:pPr marL="285750" indent="-285750">
+              <a:buFont typeface="Arial" pitchFamily="34" charset="0"/>
+              <a:buChar char="•"/>
+            </a:pPr>
+            <a:r>
+              <a:rPr lang="en-US" dirty="0" smtClean="0"/>
+              <a:t>SVC algorithm performed slightly faster than Random Forest</a:t>
+            </a:r>
+            <a:endParaRPr lang="en-US" dirty="0"/>
+          </a:p>
+        </p:txBody>
+      </p:sp>
+      <p:sp>
+        <p:nvSpPr>
+          <p:cNvPr id="4" name="Rectangle 3"/>
+          <p:cNvSpPr/>
+          <p:nvPr/>
+        </p:nvSpPr>
+        <p:spPr>
+          <a:xfrm>
+            <a:off x="5772834" y="4069514"/>
+            <a:ext cx="646331" cy="923330"/>
+          </a:xfrm>
+          <a:prstGeom prst="rect">
+            <a:avLst/>
+          </a:prstGeom>
+          <a:noFill/>
+        </p:spPr>
+        <p:txBody>
+          <a:bodyPr wrap="none" lIns="91440" tIns="45720" rIns="91440" bIns="45720">
+            <a:spAutoFit/>
+          </a:bodyPr>
+          <a:lstStyle/>
+          <a:p>
+            <a:pPr algn="ctr"/>
+            <a:r>
+              <a:rPr lang="en-US" sz="5400" b="1" cap="all" spc="0" dirty="0" smtClean="0">
+                <a:ln w="9000" cmpd="sng">
+                  <a:solidFill>
+                    <a:schemeClr val="accent4">
+                      <a:shade val="50000"/>
+                      <a:satMod val="120000"/>
+                    </a:schemeClr>
+                  </a:solidFill>
+                  <a:prstDash val="solid"/>
+                </a:ln>
+                <a:gradFill>
+                  <a:gsLst>
+                    <a:gs pos="0">
+                      <a:schemeClr val="accent4">
+                        <a:shade val="20000"/>
+                        <a:satMod val="245000"/>
+                      </a:schemeClr>
+                    </a:gs>
+                    <a:gs pos="43000">
+                      <a:schemeClr val="accent4">
+                        <a:satMod val="255000"/>
+                      </a:schemeClr>
+                    </a:gs>
+                    <a:gs pos="48000">
+                      <a:schemeClr val="accent4">
+                        <a:shade val="85000"/>
+                        <a:satMod val="255000"/>
+                      </a:schemeClr>
+                    </a:gs>
+                    <a:gs pos="100000">
+                      <a:schemeClr val="accent4">
+                        <a:shade val="20000"/>
+                        <a:satMod val="245000"/>
+                      </a:schemeClr>
+                    </a:gs>
+                  </a:gsLst>
+                  <a:lin ang="5400000"/>
+                </a:gradFill>
+                <a:effectLst>
+                  <a:reflection blurRad="12700" stA="28000" endPos="45000" dist="1000" dir="5400000" sy="-100000" algn="bl" rotWithShape="0"/>
+                </a:effectLst>
+              </a:rPr>
+              <a:t>&gt;</a:t>
+            </a:r>
+            <a:endParaRPr lang="en-US" sz="5400" b="1" cap="all" spc="0" dirty="0">
+              <a:ln w="9000" cmpd="sng">
+                <a:solidFill>
+                  <a:schemeClr val="accent4">
+                    <a:shade val="50000"/>
+                    <a:satMod val="120000"/>
+                  </a:schemeClr>
+                </a:solidFill>
+                <a:prstDash val="solid"/>
+              </a:ln>
+              <a:gradFill>
+                <a:gsLst>
+                  <a:gs pos="0">
+                    <a:schemeClr val="accent4">
+                      <a:shade val="20000"/>
+                      <a:satMod val="245000"/>
+                    </a:schemeClr>
+                  </a:gs>
+                  <a:gs pos="43000">
+                    <a:schemeClr val="accent4">
+                      <a:satMod val="255000"/>
+                    </a:schemeClr>
+                  </a:gs>
+                  <a:gs pos="48000">
+                    <a:schemeClr val="accent4">
+                      <a:shade val="85000"/>
+                      <a:satMod val="255000"/>
+                    </a:schemeClr>
+                  </a:gs>
+                  <a:gs pos="100000">
+                    <a:schemeClr val="accent4">
+                      <a:shade val="20000"/>
+                      <a:satMod val="245000"/>
+                    </a:schemeClr>
+                  </a:gs>
+                </a:gsLst>
+                <a:lin ang="5400000"/>
+              </a:gradFill>
+              <a:effectLst>
+                <a:reflection blurRad="12700" stA="28000" endPos="45000" dist="1000" dir="5400000" sy="-100000" algn="bl" rotWithShape="0"/>
+              </a:effectLst>
+            </a:endParaRPr>
+          </a:p>
+        </p:txBody>
+      </p:sp>
+    </p:spTree>
+    <p:extLst>
+      <p:ext uri="{BB962C8B-B14F-4D97-AF65-F5344CB8AC3E}">
+        <p14:creationId xmlns:p14="http://schemas.microsoft.com/office/powerpoint/2010/main" val="3249363731"/>
+      </p:ext>
+    </p:extLst>
+  </p:cSld>
+  <p:clrMapOvr>
+    <a:masterClrMapping/>
+  </p:clrMapOvr>
+</p:sld>
+</file>
+
+<file path=ppt/slides/slide11.xml><?xml version="1.0" encoding="utf-8"?>
+<p:sld xmlns:a="http://schemas.openxmlformats.org/drawingml/2006/main" xmlns:r="http://schemas.openxmlformats.org/officeDocument/2006/relationships" xmlns:p="http://schemas.openxmlformats.org/presentationml/2006/main">
+  <p:cSld>
+    <p:spTree>
+      <p:nvGrpSpPr>
+        <p:cNvPr id="1" name=""/>
+        <p:cNvGrpSpPr/>
+        <p:nvPr/>
+      </p:nvGrpSpPr>
+      <p:grpSpPr>
+        <a:xfrm>
+          <a:off x="0" y="0"/>
+          <a:ext cx="0" cy="0"/>
+          <a:chOff x="0" y="0"/>
+          <a:chExt cx="0" cy="0"/>
+        </a:xfrm>
+      </p:grpSpPr>
+      <p:sp>
+        <p:nvSpPr>
+          <p:cNvPr id="2" name="Title 1">
+            <a:extLst>
+              <a:ext uri="{FF2B5EF4-FFF2-40B4-BE49-F238E27FC236}">
                 <a16:creationId xmlns="" xmlns:a16="http://schemas.microsoft.com/office/drawing/2014/main" id="{02A38D86-C234-4C50-8379-4A360F3A30D3}"/>
               </a:ext>
             </a:extLst>
@@ -6816,113 +7161,136 @@
           <a:chExt cx="0" cy="0"/>
         </a:xfrm>
       </p:grpSpPr>
-      <p:sp>
-        <p:nvSpPr>
-          <p:cNvPr id="2" name="Title 1">
-            <a:extLst>
-              <a:ext uri="{FF2B5EF4-FFF2-40B4-BE49-F238E27FC236}">
-                <a16:creationId xmlns="" xmlns:a16="http://schemas.microsoft.com/office/drawing/2014/main" id="{959DFAEC-820A-4031-B49B-4700E3B78583}"/>
-              </a:ext>
-            </a:extLst>
-          </p:cNvPr>
-          <p:cNvSpPr>
-            <a:spLocks noGrp="1"/>
-          </p:cNvSpPr>
-          <p:nvPr>
-            <p:ph type="title"/>
-          </p:nvPr>
-        </p:nvSpPr>
-        <p:spPr/>
-        <p:txBody>
-          <a:bodyPr/>
-          <a:lstStyle/>
-          <a:p>
-            <a:r>
-              <a:rPr lang="en-US" altLang="ko-KR" dirty="0"/>
-              <a:t>SVC Algorithm</a:t>
-            </a:r>
-            <a:endParaRPr lang="ko-KR" altLang="en-US" dirty="0"/>
-          </a:p>
-        </p:txBody>
-      </p:sp>
       <p:pic>
         <p:nvPicPr>
-          <p:cNvPr id="4" name="Picture 3">
-            <a:extLst>
-              <a:ext uri="{FF2B5EF4-FFF2-40B4-BE49-F238E27FC236}">
-                <a16:creationId xmlns="" xmlns:a16="http://schemas.microsoft.com/office/drawing/2014/main" id="{0ECA2230-8E5E-42CF-BA1F-59F6BB646814}"/>
-              </a:ext>
-            </a:extLst>
-          </p:cNvPr>
+          <p:cNvPr id="1026" name="Picture 2"/>
           <p:cNvPicPr>
-            <a:picLocks noChangeAspect="1"/>
+            <a:picLocks noChangeAspect="1" noChangeArrowheads="1"/>
           </p:cNvPicPr>
           <p:nvPr/>
         </p:nvPicPr>
         <p:blipFill>
-          <a:blip r:embed="rId2"/>
+          <a:blip r:embed="rId2">
+            <a:extLst>
+              <a:ext uri="{28A0092B-C50C-407E-A947-70E740481C1C}">
+                <a14:useLocalDpi xmlns:a14="http://schemas.microsoft.com/office/drawing/2010/main" val="0"/>
+              </a:ext>
+            </a:extLst>
+          </a:blip>
+          <a:srcRect/>
           <a:stretch>
             <a:fillRect/>
           </a:stretch>
         </p:blipFill>
-        <p:spPr>
-          <a:xfrm>
-            <a:off x="1295402" y="2773032"/>
-            <a:ext cx="5067861" cy="2903563"/>
+        <p:spPr bwMode="auto">
+          <a:xfrm>
+            <a:off x="5944281" y="903515"/>
+            <a:ext cx="3895725" cy="5067300"/>
           </a:xfrm>
           <a:prstGeom prst="rect">
             <a:avLst/>
           </a:prstGeom>
+          <a:noFill/>
+          <a:ln w="50800">
+            <a:solidFill>
+              <a:schemeClr val="tx1"/>
+            </a:solidFill>
+            <a:miter lim="800000"/>
+            <a:headEnd/>
+            <a:tailEnd/>
+          </a:ln>
+          <a:effectLst/>
+          <a:extLst>
+            <a:ext uri="{909E8E84-426E-40DD-AFC4-6F175D3DCCD1}">
+              <a14:hiddenFill xmlns:a14="http://schemas.microsoft.com/office/drawing/2010/main">
+                <a:solidFill>
+                  <a:schemeClr val="accent1"/>
+                </a:solidFill>
+              </a14:hiddenFill>
+            </a:ext>
+            <a:ext uri="{AF507438-7753-43E0-B8FC-AC1667EBCBE1}">
+              <a14:hiddenEffects xmlns:a14="http://schemas.microsoft.com/office/drawing/2010/main">
+                <a:effectLst>
+                  <a:outerShdw dist="35921" dir="2700000" algn="ctr" rotWithShape="0">
+                    <a:schemeClr val="bg2"/>
+                  </a:outerShdw>
+                </a:effectLst>
+              </a14:hiddenEffects>
+            </a:ext>
+          </a:extLst>
         </p:spPr>
       </p:pic>
       <p:pic>
         <p:nvPicPr>
-          <p:cNvPr id="5" name="Picture 4">
-            <a:extLst>
-              <a:ext uri="{FF2B5EF4-FFF2-40B4-BE49-F238E27FC236}">
-                <a16:creationId xmlns="" xmlns:a16="http://schemas.microsoft.com/office/drawing/2014/main" id="{35D33BF1-6648-4535-B9EA-311BBEBA6704}"/>
-              </a:ext>
-            </a:extLst>
-          </p:cNvPr>
+          <p:cNvPr id="1027" name="Picture 3"/>
           <p:cNvPicPr>
-            <a:picLocks noChangeAspect="1"/>
+            <a:picLocks noChangeAspect="1" noChangeArrowheads="1"/>
           </p:cNvPicPr>
           <p:nvPr/>
         </p:nvPicPr>
         <p:blipFill>
-          <a:blip r:embed="rId3"/>
+          <a:blip r:embed="rId3">
+            <a:extLst>
+              <a:ext uri="{28A0092B-C50C-407E-A947-70E740481C1C}">
+                <a14:useLocalDpi xmlns:a14="http://schemas.microsoft.com/office/drawing/2010/main" val="0"/>
+              </a:ext>
+            </a:extLst>
+          </a:blip>
+          <a:srcRect/>
           <a:stretch>
             <a:fillRect/>
           </a:stretch>
         </p:blipFill>
-        <p:spPr>
-          <a:xfrm>
-            <a:off x="6363263" y="3304526"/>
-            <a:ext cx="4232698" cy="1840573"/>
+        <p:spPr bwMode="auto">
+          <a:xfrm>
+            <a:off x="2288722" y="1248456"/>
+            <a:ext cx="1638300" cy="4181475"/>
           </a:xfrm>
           <a:prstGeom prst="rect">
             <a:avLst/>
           </a:prstGeom>
+          <a:noFill/>
+          <a:ln w="50800">
+            <a:solidFill>
+              <a:schemeClr val="tx1"/>
+            </a:solidFill>
+            <a:miter lim="800000"/>
+            <a:headEnd/>
+            <a:tailEnd/>
+          </a:ln>
+          <a:effectLst/>
+          <a:extLst>
+            <a:ext uri="{909E8E84-426E-40DD-AFC4-6F175D3DCCD1}">
+              <a14:hiddenFill xmlns:a14="http://schemas.microsoft.com/office/drawing/2010/main">
+                <a:solidFill>
+                  <a:schemeClr val="accent1"/>
+                </a:solidFill>
+              </a14:hiddenFill>
+            </a:ext>
+            <a:ext uri="{AF507438-7753-43E0-B8FC-AC1667EBCBE1}">
+              <a14:hiddenEffects xmlns:a14="http://schemas.microsoft.com/office/drawing/2010/main">
+                <a:effectLst>
+                  <a:outerShdw dist="35921" dir="2700000" algn="ctr" rotWithShape="0">
+                    <a:schemeClr val="bg2"/>
+                  </a:outerShdw>
+                </a:effectLst>
+              </a14:hiddenEffects>
+            </a:ext>
+          </a:extLst>
         </p:spPr>
       </p:pic>
       <p:sp>
         <p:nvSpPr>
-          <p:cNvPr id="6" name="Arrow: Curved Down 5">
-            <a:extLst>
-              <a:ext uri="{FF2B5EF4-FFF2-40B4-BE49-F238E27FC236}">
-                <a16:creationId xmlns="" xmlns:a16="http://schemas.microsoft.com/office/drawing/2014/main" id="{4D2BD563-2B7F-42B5-A66D-294C680BE7CB}"/>
-              </a:ext>
-            </a:extLst>
-          </p:cNvPr>
+          <p:cNvPr id="4" name="Right Arrow 3"/>
           <p:cNvSpPr/>
           <p:nvPr/>
         </p:nvSpPr>
         <p:spPr>
-          <a:xfrm rot="764059">
-            <a:off x="5420563" y="2305374"/>
-            <a:ext cx="2114093" cy="702259"/>
-          </a:xfrm>
-          <a:prstGeom prst="curvedDownArrow">
+          <a:xfrm>
+            <a:off x="4073979" y="2751364"/>
+            <a:ext cx="1600200" cy="881743"/>
+          </a:xfrm>
+          <a:prstGeom prst="rightArrow">
             <a:avLst/>
           </a:prstGeom>
         </p:spPr>
@@ -6947,68 +7315,14 @@
           <a:lstStyle/>
           <a:p>
             <a:pPr algn="ctr"/>
-            <a:endParaRPr lang="ko-KR" altLang="en-US">
-              <a:solidFill>
-                <a:schemeClr val="tx1"/>
-              </a:solidFill>
-            </a:endParaRPr>
-          </a:p>
-        </p:txBody>
-      </p:sp>
-      <p:sp>
-        <p:nvSpPr>
-          <p:cNvPr id="7" name="Rectangle 6">
-            <a:extLst>
-              <a:ext uri="{FF2B5EF4-FFF2-40B4-BE49-F238E27FC236}">
-                <a16:creationId xmlns="" xmlns:a16="http://schemas.microsoft.com/office/drawing/2014/main" id="{387DBAD8-76D8-43D9-A508-D8E4A4760CF2}"/>
-              </a:ext>
-            </a:extLst>
-          </p:cNvPr>
-          <p:cNvSpPr/>
-          <p:nvPr/>
-        </p:nvSpPr>
-        <p:spPr>
-          <a:xfrm>
-            <a:off x="7586056" y="2285999"/>
-            <a:ext cx="2713746" cy="1150997"/>
-          </a:xfrm>
-          <a:prstGeom prst="rect">
-            <a:avLst/>
-          </a:prstGeom>
-        </p:spPr>
-        <p:style>
-          <a:lnRef idx="2">
-            <a:schemeClr val="accent1">
-              <a:shade val="50000"/>
-            </a:schemeClr>
-          </a:lnRef>
-          <a:fillRef idx="1">
-            <a:schemeClr val="accent1"/>
-          </a:fillRef>
-          <a:effectRef idx="0">
-            <a:schemeClr val="accent1"/>
-          </a:effectRef>
-          <a:fontRef idx="minor">
-            <a:schemeClr val="lt1"/>
-          </a:fontRef>
-        </p:style>
-        <p:txBody>
-          <a:bodyPr rtlCol="0" anchor="ctr"/>
-          <a:lstStyle/>
-          <a:p>
-            <a:pPr algn="ctr"/>
-            <a:r>
-              <a:rPr lang="en-US" altLang="ko-KR" dirty="0"/>
-              <a:t>As we add more train data the precision score increased from 87.5% to 100%</a:t>
-            </a:r>
-            <a:endParaRPr lang="ko-KR" altLang="en-US" dirty="0"/>
+            <a:endParaRPr lang="en-US"/>
           </a:p>
         </p:txBody>
       </p:sp>
     </p:spTree>
     <p:extLst>
       <p:ext uri="{BB962C8B-B14F-4D97-AF65-F5344CB8AC3E}">
-        <p14:creationId xmlns:p14="http://schemas.microsoft.com/office/powerpoint/2010/main" val="3766843588"/>
+        <p14:creationId xmlns:p14="http://schemas.microsoft.com/office/powerpoint/2010/main" val="3938123037"/>
       </p:ext>
     </p:extLst>
   </p:cSld>
@@ -7040,7 +7354,7 @@
           <p:cNvPr id="2" name="Title 1">
             <a:extLst>
               <a:ext uri="{FF2B5EF4-FFF2-40B4-BE49-F238E27FC236}">
-                <a16:creationId xmlns="" xmlns:a16="http://schemas.microsoft.com/office/drawing/2014/main" id="{C1B0DF9D-704A-4795-87E3-6613F8882AFC}"/>
+                <a16:creationId xmlns="" xmlns:a16="http://schemas.microsoft.com/office/drawing/2014/main" id="{959DFAEC-820A-4031-B49B-4700E3B78583}"/>
               </a:ext>
             </a:extLst>
           </p:cNvPr>
@@ -7058,7 +7372,7 @@
           <a:p>
             <a:r>
               <a:rPr lang="en-US" altLang="ko-KR" dirty="0"/>
-              <a:t>Random Forest Classifier</a:t>
+              <a:t>SVC Algorithm</a:t>
             </a:r>
             <a:endParaRPr lang="ko-KR" altLang="en-US" dirty="0"/>
           </a:p>
@@ -7066,293 +7380,168 @@
       </p:sp>
       <p:pic>
         <p:nvPicPr>
-          <p:cNvPr id="1027" name="Picture 3"/>
+          <p:cNvPr id="4" name="Picture 3">
+            <a:extLst>
+              <a:ext uri="{FF2B5EF4-FFF2-40B4-BE49-F238E27FC236}">
+                <a16:creationId xmlns="" xmlns:a16="http://schemas.microsoft.com/office/drawing/2014/main" id="{0ECA2230-8E5E-42CF-BA1F-59F6BB646814}"/>
+              </a:ext>
+            </a:extLst>
+          </p:cNvPr>
           <p:cNvPicPr>
-            <a:picLocks noChangeAspect="1" noChangeArrowheads="1"/>
+            <a:picLocks noChangeAspect="1"/>
           </p:cNvPicPr>
           <p:nvPr/>
         </p:nvPicPr>
         <p:blipFill>
-          <a:blip r:embed="rId2">
-            <a:extLst>
-              <a:ext uri="{28A0092B-C50C-407E-A947-70E740481C1C}">
-                <a14:useLocalDpi xmlns:a14="http://schemas.microsoft.com/office/drawing/2010/main" val="0"/>
-              </a:ext>
-            </a:extLst>
-          </a:blip>
-          <a:srcRect/>
+          <a:blip r:embed="rId2"/>
           <a:stretch>
             <a:fillRect/>
           </a:stretch>
         </p:blipFill>
-        <p:spPr bwMode="auto">
-          <a:xfrm>
-            <a:off x="6623957" y="3354160"/>
-            <a:ext cx="3924300" cy="2476500"/>
+        <p:spPr>
+          <a:xfrm>
+            <a:off x="1295402" y="2773032"/>
+            <a:ext cx="5067861" cy="2903563"/>
           </a:xfrm>
           <a:prstGeom prst="rect">
             <a:avLst/>
           </a:prstGeom>
-          <a:noFill/>
-          <a:ln>
-            <a:noFill/>
-          </a:ln>
-          <a:effectLst/>
-          <a:extLst>
-            <a:ext uri="{909E8E84-426E-40DD-AFC4-6F175D3DCCD1}">
-              <a14:hiddenFill xmlns:a14="http://schemas.microsoft.com/office/drawing/2010/main">
-                <a:solidFill>
-                  <a:schemeClr val="accent1"/>
-                </a:solidFill>
-              </a14:hiddenFill>
-            </a:ext>
-            <a:ext uri="{91240B29-F687-4F45-9708-019B960494DF}">
-              <a14:hiddenLine xmlns:a14="http://schemas.microsoft.com/office/drawing/2010/main" w="9525">
-                <a:solidFill>
-                  <a:schemeClr val="tx1"/>
-                </a:solidFill>
-                <a:miter lim="800000"/>
-                <a:headEnd/>
-                <a:tailEnd/>
-              </a14:hiddenLine>
-            </a:ext>
-            <a:ext uri="{AF507438-7753-43E0-B8FC-AC1667EBCBE1}">
-              <a14:hiddenEffects xmlns:a14="http://schemas.microsoft.com/office/drawing/2010/main">
-                <a:effectLst>
-                  <a:outerShdw dist="35921" dir="2700000" algn="ctr" rotWithShape="0">
-                    <a:schemeClr val="bg2"/>
-                  </a:outerShdw>
-                </a:effectLst>
-              </a14:hiddenEffects>
-            </a:ext>
-          </a:extLst>
         </p:spPr>
       </p:pic>
       <p:pic>
         <p:nvPicPr>
-          <p:cNvPr id="1028" name="Picture 4"/>
+          <p:cNvPr id="5" name="Picture 4">
+            <a:extLst>
+              <a:ext uri="{FF2B5EF4-FFF2-40B4-BE49-F238E27FC236}">
+                <a16:creationId xmlns="" xmlns:a16="http://schemas.microsoft.com/office/drawing/2014/main" id="{35D33BF1-6648-4535-B9EA-311BBEBA6704}"/>
+              </a:ext>
+            </a:extLst>
+          </p:cNvPr>
           <p:cNvPicPr>
-            <a:picLocks noChangeAspect="1" noChangeArrowheads="1"/>
+            <a:picLocks noChangeAspect="1"/>
           </p:cNvPicPr>
           <p:nvPr/>
         </p:nvPicPr>
         <p:blipFill>
-          <a:blip r:embed="rId3">
-            <a:extLst>
-              <a:ext uri="{28A0092B-C50C-407E-A947-70E740481C1C}">
-                <a14:useLocalDpi xmlns:a14="http://schemas.microsoft.com/office/drawing/2010/main" val="0"/>
-              </a:ext>
-            </a:extLst>
-          </a:blip>
-          <a:srcRect/>
+          <a:blip r:embed="rId3"/>
           <a:stretch>
             <a:fillRect/>
           </a:stretch>
         </p:blipFill>
-        <p:spPr bwMode="auto">
-          <a:xfrm>
-            <a:off x="1827439" y="3439885"/>
-            <a:ext cx="4171950" cy="2390775"/>
+        <p:spPr>
+          <a:xfrm>
+            <a:off x="6363263" y="3304526"/>
+            <a:ext cx="4232698" cy="1840573"/>
           </a:xfrm>
           <a:prstGeom prst="rect">
             <a:avLst/>
           </a:prstGeom>
-          <a:noFill/>
-          <a:ln>
-            <a:noFill/>
-          </a:ln>
-          <a:effectLst/>
-          <a:extLst>
-            <a:ext uri="{909E8E84-426E-40DD-AFC4-6F175D3DCCD1}">
-              <a14:hiddenFill xmlns:a14="http://schemas.microsoft.com/office/drawing/2010/main">
-                <a:solidFill>
-                  <a:schemeClr val="accent1"/>
-                </a:solidFill>
-              </a14:hiddenFill>
-            </a:ext>
-            <a:ext uri="{91240B29-F687-4F45-9708-019B960494DF}">
-              <a14:hiddenLine xmlns:a14="http://schemas.microsoft.com/office/drawing/2010/main" w="9525">
-                <a:solidFill>
-                  <a:schemeClr val="tx1"/>
-                </a:solidFill>
-                <a:miter lim="800000"/>
-                <a:headEnd/>
-                <a:tailEnd/>
-              </a14:hiddenLine>
-            </a:ext>
-            <a:ext uri="{AF507438-7753-43E0-B8FC-AC1667EBCBE1}">
-              <a14:hiddenEffects xmlns:a14="http://schemas.microsoft.com/office/drawing/2010/main">
-                <a:effectLst>
-                  <a:outerShdw dist="35921" dir="2700000" algn="ctr" rotWithShape="0">
-                    <a:schemeClr val="bg2"/>
-                  </a:outerShdw>
-                </a:effectLst>
-              </a14:hiddenEffects>
-            </a:ext>
-          </a:extLst>
         </p:spPr>
       </p:pic>
       <p:sp>
         <p:nvSpPr>
-          <p:cNvPr id="3" name="TextBox 2"/>
-          <p:cNvSpPr txBox="1"/>
+          <p:cNvPr id="6" name="Arrow: Curved Down 5">
+            <a:extLst>
+              <a:ext uri="{FF2B5EF4-FFF2-40B4-BE49-F238E27FC236}">
+                <a16:creationId xmlns="" xmlns:a16="http://schemas.microsoft.com/office/drawing/2014/main" id="{4D2BD563-2B7F-42B5-A66D-294C680BE7CB}"/>
+              </a:ext>
+            </a:extLst>
+          </p:cNvPr>
+          <p:cNvSpPr/>
           <p:nvPr/>
         </p:nvSpPr>
         <p:spPr>
-          <a:xfrm>
-            <a:off x="1755321" y="2620736"/>
-            <a:ext cx="6463564" cy="646331"/>
+          <a:xfrm rot="764059">
+            <a:off x="5420563" y="2305374"/>
+            <a:ext cx="2114093" cy="702259"/>
+          </a:xfrm>
+          <a:prstGeom prst="curvedDownArrow">
+            <a:avLst/>
+          </a:prstGeom>
+        </p:spPr>
+        <p:style>
+          <a:lnRef idx="2">
+            <a:schemeClr val="accent1">
+              <a:shade val="50000"/>
+            </a:schemeClr>
+          </a:lnRef>
+          <a:fillRef idx="1">
+            <a:schemeClr val="accent1"/>
+          </a:fillRef>
+          <a:effectRef idx="0">
+            <a:schemeClr val="accent1"/>
+          </a:effectRef>
+          <a:fontRef idx="minor">
+            <a:schemeClr val="lt1"/>
+          </a:fontRef>
+        </p:style>
+        <p:txBody>
+          <a:bodyPr rtlCol="0" anchor="ctr"/>
+          <a:lstStyle/>
+          <a:p>
+            <a:pPr algn="ctr"/>
+            <a:endParaRPr lang="ko-KR" altLang="en-US">
+              <a:solidFill>
+                <a:schemeClr val="tx1"/>
+              </a:solidFill>
+            </a:endParaRPr>
+          </a:p>
+        </p:txBody>
+      </p:sp>
+      <p:sp>
+        <p:nvSpPr>
+          <p:cNvPr id="7" name="Rectangle 6">
+            <a:extLst>
+              <a:ext uri="{FF2B5EF4-FFF2-40B4-BE49-F238E27FC236}">
+                <a16:creationId xmlns="" xmlns:a16="http://schemas.microsoft.com/office/drawing/2014/main" id="{387DBAD8-76D8-43D9-A508-D8E4A4760CF2}"/>
+              </a:ext>
+            </a:extLst>
+          </p:cNvPr>
+          <p:cNvSpPr/>
+          <p:nvPr/>
+        </p:nvSpPr>
+        <p:spPr>
+          <a:xfrm>
+            <a:off x="7586056" y="2285999"/>
+            <a:ext cx="2713746" cy="1150997"/>
           </a:xfrm>
           <a:prstGeom prst="rect">
             <a:avLst/>
           </a:prstGeom>
-          <a:noFill/>
-        </p:spPr>
-        <p:txBody>
-          <a:bodyPr wrap="none" rtlCol="0">
-            <a:spAutoFit/>
-          </a:bodyPr>
-          <a:lstStyle/>
-          <a:p>
-            <a:pPr marL="285750" indent="-285750">
-              <a:buFont typeface="Arial" pitchFamily="34" charset="0"/>
-              <a:buChar char="•"/>
-            </a:pPr>
-            <a:r>
-              <a:rPr lang="en-US" dirty="0" smtClean="0"/>
-              <a:t>SVC algorithm and Random Forest both got precision score of 1.0</a:t>
-            </a:r>
-          </a:p>
-          <a:p>
-            <a:pPr marL="285750" indent="-285750">
-              <a:buFont typeface="Arial" pitchFamily="34" charset="0"/>
-              <a:buChar char="•"/>
-            </a:pPr>
-            <a:r>
-              <a:rPr lang="en-US" dirty="0" smtClean="0"/>
-              <a:t>SVC algorithm performed slightly faster than Random Forest</a:t>
-            </a:r>
-            <a:endParaRPr lang="en-US" dirty="0"/>
-          </a:p>
-        </p:txBody>
-      </p:sp>
-      <p:sp>
-        <p:nvSpPr>
-          <p:cNvPr id="4" name="Rectangle 3"/>
-          <p:cNvSpPr/>
-          <p:nvPr/>
-        </p:nvSpPr>
-        <p:spPr>
-          <a:xfrm>
-            <a:off x="5772834" y="4069514"/>
-            <a:ext cx="646331" cy="923330"/>
-          </a:xfrm>
-          <a:prstGeom prst="rect">
-            <a:avLst/>
-          </a:prstGeom>
-          <a:noFill/>
-        </p:spPr>
-        <p:txBody>
-          <a:bodyPr wrap="none" lIns="91440" tIns="45720" rIns="91440" bIns="45720">
-            <a:spAutoFit/>
-          </a:bodyPr>
+        </p:spPr>
+        <p:style>
+          <a:lnRef idx="2">
+            <a:schemeClr val="accent1">
+              <a:shade val="50000"/>
+            </a:schemeClr>
+          </a:lnRef>
+          <a:fillRef idx="1">
+            <a:schemeClr val="accent1"/>
+          </a:fillRef>
+          <a:effectRef idx="0">
+            <a:schemeClr val="accent1"/>
+          </a:effectRef>
+          <a:fontRef idx="minor">
+            <a:schemeClr val="lt1"/>
+          </a:fontRef>
+        </p:style>
+        <p:txBody>
+          <a:bodyPr rtlCol="0" anchor="ctr"/>
           <a:lstStyle/>
           <a:p>
             <a:pPr algn="ctr"/>
             <a:r>
-              <a:rPr lang="en-US" sz="5400" b="1" cap="all" spc="0" dirty="0" smtClean="0">
-                <a:ln w="9000" cmpd="sng">
-                  <a:solidFill>
-                    <a:schemeClr val="accent4">
-                      <a:shade val="50000"/>
-                      <a:satMod val="120000"/>
-                    </a:schemeClr>
-                  </a:solidFill>
-                  <a:prstDash val="solid"/>
-                </a:ln>
-                <a:gradFill>
-                  <a:gsLst>
-                    <a:gs pos="0">
-                      <a:schemeClr val="accent4">
-                        <a:shade val="20000"/>
-                        <a:satMod val="245000"/>
-                      </a:schemeClr>
-                    </a:gs>
-                    <a:gs pos="43000">
-                      <a:schemeClr val="accent4">
-                        <a:satMod val="255000"/>
-                      </a:schemeClr>
-                    </a:gs>
-                    <a:gs pos="48000">
-                      <a:schemeClr val="accent4">
-                        <a:shade val="85000"/>
-                        <a:satMod val="255000"/>
-                      </a:schemeClr>
-                    </a:gs>
-                    <a:gs pos="100000">
-                      <a:schemeClr val="accent4">
-                        <a:shade val="20000"/>
-                        <a:satMod val="245000"/>
-                      </a:schemeClr>
-                    </a:gs>
-                  </a:gsLst>
-                  <a:lin ang="5400000"/>
-                </a:gradFill>
-                <a:effectLst>
-                  <a:reflection blurRad="12700" stA="28000" endPos="45000" dist="1000" dir="5400000" sy="-100000" algn="bl" rotWithShape="0"/>
-                </a:effectLst>
-              </a:rPr>
-              <a:t>&gt;</a:t>
-            </a:r>
-            <a:endParaRPr lang="en-US" sz="5400" b="1" cap="all" spc="0" dirty="0">
-              <a:ln w="9000" cmpd="sng">
-                <a:solidFill>
-                  <a:schemeClr val="accent4">
-                    <a:shade val="50000"/>
-                    <a:satMod val="120000"/>
-                  </a:schemeClr>
-                </a:solidFill>
-                <a:prstDash val="solid"/>
-              </a:ln>
-              <a:gradFill>
-                <a:gsLst>
-                  <a:gs pos="0">
-                    <a:schemeClr val="accent4">
-                      <a:shade val="20000"/>
-                      <a:satMod val="245000"/>
-                    </a:schemeClr>
-                  </a:gs>
-                  <a:gs pos="43000">
-                    <a:schemeClr val="accent4">
-                      <a:satMod val="255000"/>
-                    </a:schemeClr>
-                  </a:gs>
-                  <a:gs pos="48000">
-                    <a:schemeClr val="accent4">
-                      <a:shade val="85000"/>
-                      <a:satMod val="255000"/>
-                    </a:schemeClr>
-                  </a:gs>
-                  <a:gs pos="100000">
-                    <a:schemeClr val="accent4">
-                      <a:shade val="20000"/>
-                      <a:satMod val="245000"/>
-                    </a:schemeClr>
-                  </a:gs>
-                </a:gsLst>
-                <a:lin ang="5400000"/>
-              </a:gradFill>
-              <a:effectLst>
-                <a:reflection blurRad="12700" stA="28000" endPos="45000" dist="1000" dir="5400000" sy="-100000" algn="bl" rotWithShape="0"/>
-              </a:effectLst>
-            </a:endParaRPr>
+              <a:rPr lang="en-US" altLang="ko-KR" dirty="0"/>
+              <a:t>As we add more train data the precision score increased from 87.5% to 100%</a:t>
+            </a:r>
+            <a:endParaRPr lang="ko-KR" altLang="en-US" dirty="0"/>
           </a:p>
         </p:txBody>
       </p:sp>
     </p:spTree>
     <p:extLst>
       <p:ext uri="{BB962C8B-B14F-4D97-AF65-F5344CB8AC3E}">
-        <p14:creationId xmlns:p14="http://schemas.microsoft.com/office/powerpoint/2010/main" val="3249363731"/>
+        <p14:creationId xmlns:p14="http://schemas.microsoft.com/office/powerpoint/2010/main" val="3766843588"/>
       </p:ext>
     </p:extLst>
   </p:cSld>
